--- a/課題研究/2016/岩瀬翔/最終発表/1442012_岩瀬翔_ポスター.pptx
+++ b/課題研究/2016/岩瀬翔/最終発表/1442012_岩瀬翔_ポスター.pptx
@@ -211,7 +211,7 @@
           <a:p>
             <a:fld id="{21D3087D-DF9F-42D6-A2CD-E6B26F00C14B}" type="datetimeFigureOut">
               <a:rPr kumimoji="1" lang="ja-JP" altLang="en-US" smtClean="0"/>
-              <a:t>2016/12/12</a:t>
+              <a:t>2016/12/14</a:t>
             </a:fld>
             <a:endParaRPr kumimoji="1" lang="ja-JP" altLang="en-US"/>
           </a:p>
@@ -690,7 +690,7 @@
           <a:p>
             <a:fld id="{7599971D-E424-4083-B0C6-61FDC58FEAC9}" type="datetimeFigureOut">
               <a:rPr kumimoji="1" lang="ja-JP" altLang="en-US" smtClean="0"/>
-              <a:t>2016/12/12</a:t>
+              <a:t>2016/12/14</a:t>
             </a:fld>
             <a:endParaRPr kumimoji="1" lang="ja-JP" altLang="en-US"/>
           </a:p>
@@ -890,7 +890,7 @@
           <a:p>
             <a:fld id="{7599971D-E424-4083-B0C6-61FDC58FEAC9}" type="datetimeFigureOut">
               <a:rPr kumimoji="1" lang="ja-JP" altLang="en-US" smtClean="0"/>
-              <a:t>2016/12/12</a:t>
+              <a:t>2016/12/14</a:t>
             </a:fld>
             <a:endParaRPr kumimoji="1" lang="ja-JP" altLang="en-US"/>
           </a:p>
@@ -1100,7 +1100,7 @@
           <a:p>
             <a:fld id="{7599971D-E424-4083-B0C6-61FDC58FEAC9}" type="datetimeFigureOut">
               <a:rPr kumimoji="1" lang="ja-JP" altLang="en-US" smtClean="0"/>
-              <a:t>2016/12/12</a:t>
+              <a:t>2016/12/14</a:t>
             </a:fld>
             <a:endParaRPr kumimoji="1" lang="ja-JP" altLang="en-US"/>
           </a:p>
@@ -1300,7 +1300,7 @@
           <a:p>
             <a:fld id="{7599971D-E424-4083-B0C6-61FDC58FEAC9}" type="datetimeFigureOut">
               <a:rPr kumimoji="1" lang="ja-JP" altLang="en-US" smtClean="0"/>
-              <a:t>2016/12/12</a:t>
+              <a:t>2016/12/14</a:t>
             </a:fld>
             <a:endParaRPr kumimoji="1" lang="ja-JP" altLang="en-US"/>
           </a:p>
@@ -1545,7 +1545,7 @@
           <a:p>
             <a:fld id="{7599971D-E424-4083-B0C6-61FDC58FEAC9}" type="datetimeFigureOut">
               <a:rPr kumimoji="1" lang="ja-JP" altLang="en-US" smtClean="0"/>
-              <a:t>2016/12/12</a:t>
+              <a:t>2016/12/14</a:t>
             </a:fld>
             <a:endParaRPr kumimoji="1" lang="ja-JP" altLang="en-US"/>
           </a:p>
@@ -1894,7 +1894,7 @@
           <a:p>
             <a:fld id="{7599971D-E424-4083-B0C6-61FDC58FEAC9}" type="datetimeFigureOut">
               <a:rPr kumimoji="1" lang="ja-JP" altLang="en-US" smtClean="0"/>
-              <a:t>2016/12/12</a:t>
+              <a:t>2016/12/14</a:t>
             </a:fld>
             <a:endParaRPr kumimoji="1" lang="ja-JP" altLang="en-US"/>
           </a:p>
@@ -2382,7 +2382,7 @@
           <a:p>
             <a:fld id="{7599971D-E424-4083-B0C6-61FDC58FEAC9}" type="datetimeFigureOut">
               <a:rPr kumimoji="1" lang="ja-JP" altLang="en-US" smtClean="0"/>
-              <a:t>2016/12/12</a:t>
+              <a:t>2016/12/14</a:t>
             </a:fld>
             <a:endParaRPr kumimoji="1" lang="ja-JP" altLang="en-US"/>
           </a:p>
@@ -2499,7 +2499,7 @@
           <a:p>
             <a:fld id="{7599971D-E424-4083-B0C6-61FDC58FEAC9}" type="datetimeFigureOut">
               <a:rPr kumimoji="1" lang="ja-JP" altLang="en-US" smtClean="0"/>
-              <a:t>2016/12/12</a:t>
+              <a:t>2016/12/14</a:t>
             </a:fld>
             <a:endParaRPr kumimoji="1" lang="ja-JP" altLang="en-US"/>
           </a:p>
@@ -2594,7 +2594,7 @@
           <a:p>
             <a:fld id="{7599971D-E424-4083-B0C6-61FDC58FEAC9}" type="datetimeFigureOut">
               <a:rPr kumimoji="1" lang="ja-JP" altLang="en-US" smtClean="0"/>
-              <a:t>2016/12/12</a:t>
+              <a:t>2016/12/14</a:t>
             </a:fld>
             <a:endParaRPr kumimoji="1" lang="ja-JP" altLang="en-US"/>
           </a:p>
@@ -2901,7 +2901,7 @@
           <a:p>
             <a:fld id="{7599971D-E424-4083-B0C6-61FDC58FEAC9}" type="datetimeFigureOut">
               <a:rPr kumimoji="1" lang="ja-JP" altLang="en-US" smtClean="0"/>
-              <a:t>2016/12/12</a:t>
+              <a:t>2016/12/14</a:t>
             </a:fld>
             <a:endParaRPr kumimoji="1" lang="ja-JP" altLang="en-US"/>
           </a:p>
@@ -3153,7 +3153,7 @@
           <a:p>
             <a:fld id="{7599971D-E424-4083-B0C6-61FDC58FEAC9}" type="datetimeFigureOut">
               <a:rPr kumimoji="1" lang="ja-JP" altLang="en-US" smtClean="0"/>
-              <a:t>2016/12/12</a:t>
+              <a:t>2016/12/14</a:t>
             </a:fld>
             <a:endParaRPr kumimoji="1" lang="ja-JP" altLang="en-US"/>
           </a:p>
@@ -3396,7 +3396,7 @@
           <a:p>
             <a:fld id="{7599971D-E424-4083-B0C6-61FDC58FEAC9}" type="datetimeFigureOut">
               <a:rPr kumimoji="1" lang="ja-JP" altLang="en-US" smtClean="0"/>
-              <a:t>2016/12/12</a:t>
+              <a:t>2016/12/14</a:t>
             </a:fld>
             <a:endParaRPr kumimoji="1" lang="ja-JP" altLang="en-US"/>
           </a:p>
@@ -3773,13 +3773,269 @@
       </p:grpSpPr>
       <p:sp>
         <p:nvSpPr>
+          <p:cNvPr id="36" name="下矢印 35"/>
+          <p:cNvSpPr/>
+          <p:nvPr/>
+        </p:nvSpPr>
+        <p:spPr>
+          <a:xfrm>
+            <a:off x="539395" y="13319920"/>
+            <a:ext cx="2191896" cy="11661803"/>
+          </a:xfrm>
+          <a:prstGeom prst="downArrow">
+            <a:avLst/>
+          </a:prstGeom>
+          <a:solidFill>
+            <a:srgbClr val="00B0F0">
+              <a:alpha val="35000"/>
+            </a:srgbClr>
+          </a:solidFill>
+          <a:ln>
+            <a:solidFill>
+              <a:schemeClr val="bg1"/>
+            </a:solidFill>
+          </a:ln>
+        </p:spPr>
+        <p:style>
+          <a:lnRef idx="2">
+            <a:schemeClr val="accent1">
+              <a:shade val="50000"/>
+            </a:schemeClr>
+          </a:lnRef>
+          <a:fillRef idx="1">
+            <a:schemeClr val="accent1"/>
+          </a:fillRef>
+          <a:effectRef idx="0">
+            <a:schemeClr val="accent1"/>
+          </a:effectRef>
+          <a:fontRef idx="minor">
+            <a:schemeClr val="lt1"/>
+          </a:fontRef>
+        </p:style>
+        <p:txBody>
+          <a:bodyPr rtlCol="0" anchor="ctr"/>
+          <a:lstStyle/>
+          <a:p>
+            <a:pPr algn="ctr"/>
+            <a:endParaRPr kumimoji="1" lang="ja-JP" altLang="en-US"/>
+          </a:p>
+        </p:txBody>
+      </p:sp>
+      <p:sp>
+        <p:nvSpPr>
+          <p:cNvPr id="11" name="テキスト ボックス 10"/>
+          <p:cNvSpPr txBox="1"/>
+          <p:nvPr/>
+        </p:nvSpPr>
+        <p:spPr>
+          <a:xfrm>
+            <a:off x="1471094" y="13466123"/>
+            <a:ext cx="9213979" cy="10064294"/>
+          </a:xfrm>
+          <a:prstGeom prst="rect">
+            <a:avLst/>
+          </a:prstGeom>
+          <a:noFill/>
+        </p:spPr>
+        <p:txBody>
+          <a:bodyPr wrap="square" rtlCol="0">
+            <a:spAutoFit/>
+          </a:bodyPr>
+          <a:lstStyle/>
+          <a:p>
+            <a:pPr marL="742950" indent="-742950">
+              <a:buFont typeface="+mj-lt"/>
+              <a:buAutoNum type="arabicPeriod"/>
+            </a:pPr>
+            <a:r>
+              <a:rPr lang="ja-JP" altLang="en-US" sz="3600" dirty="0" smtClean="0"/>
+              <a:t>ツイートから時間</a:t>
+            </a:r>
+            <a:r>
+              <a:rPr lang="ja-JP" altLang="en-US" sz="3600" dirty="0"/>
+              <a:t>と本文のみを抽出する</a:t>
+            </a:r>
+            <a:r>
+              <a:rPr lang="ja-JP" altLang="en-US" sz="3600" dirty="0" smtClean="0"/>
+              <a:t>ためのプログラム</a:t>
+            </a:r>
+            <a:r>
+              <a:rPr lang="ja-JP" altLang="en-US" sz="3600" dirty="0"/>
+              <a:t>を作成</a:t>
+            </a:r>
+            <a:r>
+              <a:rPr lang="ja-JP" altLang="en-US" sz="3600" dirty="0" smtClean="0"/>
+              <a:t>する．</a:t>
+            </a:r>
+            <a:endParaRPr lang="en-US" altLang="ja-JP" sz="3600" dirty="0" smtClean="0"/>
+          </a:p>
+          <a:p>
+            <a:pPr marL="742950" indent="-742950">
+              <a:buFont typeface="+mj-lt"/>
+              <a:buAutoNum type="arabicPeriod"/>
+            </a:pPr>
+            <a:endParaRPr lang="en-US" altLang="ja-JP" sz="3600" dirty="0" smtClean="0"/>
+          </a:p>
+          <a:p>
+            <a:pPr marL="742950" indent="-742950">
+              <a:buFont typeface="+mj-lt"/>
+              <a:buAutoNum type="arabicPeriod"/>
+            </a:pPr>
+            <a:endParaRPr lang="en-US" altLang="ja-JP" sz="3600" dirty="0" smtClean="0"/>
+          </a:p>
+          <a:p>
+            <a:pPr marL="742950" indent="-742950">
+              <a:buFont typeface="+mj-lt"/>
+              <a:buAutoNum type="arabicPeriod"/>
+            </a:pPr>
+            <a:r>
+              <a:rPr lang="en-US" altLang="ja-JP" sz="3600" dirty="0"/>
+              <a:t>GitHub Status</a:t>
+            </a:r>
+            <a:r>
+              <a:rPr lang="ja-JP" altLang="en-US" sz="3600" dirty="0"/>
+              <a:t>を参考に障害発生から復旧までの時間を指定し</a:t>
+            </a:r>
+            <a:r>
+              <a:rPr lang="en-US" altLang="ja-JP" sz="3600" dirty="0"/>
+              <a:t>Twitter</a:t>
+            </a:r>
+            <a:r>
+              <a:rPr lang="ja-JP" altLang="en-US" sz="3600" dirty="0"/>
+              <a:t>で検索</a:t>
+            </a:r>
+            <a:r>
+              <a:rPr lang="ja-JP" altLang="en-US" sz="3600" dirty="0" smtClean="0"/>
+              <a:t>する．</a:t>
+            </a:r>
+            <a:endParaRPr lang="en-US" altLang="ja-JP" sz="3600" dirty="0" smtClean="0"/>
+          </a:p>
+          <a:p>
+            <a:pPr marL="742950" indent="-742950">
+              <a:buFont typeface="+mj-lt"/>
+              <a:buAutoNum type="arabicPeriod"/>
+            </a:pPr>
+            <a:endParaRPr lang="en-US" altLang="ja-JP" sz="3600" dirty="0" smtClean="0"/>
+          </a:p>
+          <a:p>
+            <a:pPr marL="742950" indent="-742950">
+              <a:buFont typeface="+mj-lt"/>
+              <a:buAutoNum type="arabicPeriod"/>
+            </a:pPr>
+            <a:endParaRPr lang="ja-JP" altLang="en-US" sz="3600" dirty="0"/>
+          </a:p>
+          <a:p>
+            <a:pPr marL="742950" indent="-742950">
+              <a:buFont typeface="+mj-lt"/>
+              <a:buAutoNum type="arabicPeriod"/>
+            </a:pPr>
+            <a:r>
+              <a:rPr lang="en-US" altLang="ja-JP" sz="3600" dirty="0" smtClean="0"/>
+              <a:t>1</a:t>
+            </a:r>
+            <a:r>
+              <a:rPr lang="ja-JP" altLang="en-US" sz="3600" dirty="0" smtClean="0"/>
+              <a:t>で作成</a:t>
+            </a:r>
+            <a:r>
+              <a:rPr lang="ja-JP" altLang="en-US" sz="3600" dirty="0"/>
+              <a:t>した</a:t>
+            </a:r>
+            <a:r>
+              <a:rPr lang="ja-JP" altLang="en-US" sz="3600" dirty="0" smtClean="0"/>
+              <a:t>プログラムを</a:t>
+            </a:r>
+            <a:r>
+              <a:rPr lang="ja-JP" altLang="en-US" sz="3600" dirty="0"/>
+              <a:t>使用して検索結果からデータを抽出</a:t>
+            </a:r>
+            <a:r>
+              <a:rPr lang="ja-JP" altLang="en-US" sz="3600" dirty="0" smtClean="0"/>
+              <a:t>する．</a:t>
+            </a:r>
+            <a:endParaRPr lang="en-US" altLang="ja-JP" sz="3600" dirty="0" smtClean="0"/>
+          </a:p>
+          <a:p>
+            <a:pPr marL="742950" indent="-742950">
+              <a:buFont typeface="+mj-lt"/>
+              <a:buAutoNum type="arabicPeriod"/>
+            </a:pPr>
+            <a:endParaRPr lang="en-US" altLang="ja-JP" sz="3600" dirty="0"/>
+          </a:p>
+          <a:p>
+            <a:pPr marL="742950" indent="-742950">
+              <a:buFont typeface="+mj-lt"/>
+              <a:buAutoNum type="arabicPeriod"/>
+            </a:pPr>
+            <a:endParaRPr lang="ja-JP" altLang="en-US" sz="3600" dirty="0"/>
+          </a:p>
+          <a:p>
+            <a:pPr marL="742950" indent="-742950">
+              <a:buFont typeface="+mj-lt"/>
+              <a:buAutoNum type="arabicPeriod"/>
+            </a:pPr>
+            <a:r>
+              <a:rPr lang="ja-JP" altLang="en-US" sz="3600" dirty="0" smtClean="0"/>
+              <a:t>テキストマイニングによる頻出</a:t>
+            </a:r>
+            <a:r>
+              <a:rPr lang="ja-JP" altLang="en-US" sz="3600" dirty="0"/>
+              <a:t>単語の抽出を行い，どのような</a:t>
+            </a:r>
+            <a:r>
+              <a:rPr lang="ja-JP" altLang="en-US" sz="3600" dirty="0" smtClean="0"/>
+              <a:t>反応が多いのか分析する．</a:t>
+            </a:r>
+            <a:endParaRPr lang="en-US" altLang="ja-JP" sz="3600" dirty="0" smtClean="0"/>
+          </a:p>
+          <a:p>
+            <a:pPr marL="742950" indent="-742950">
+              <a:buFont typeface="+mj-lt"/>
+              <a:buAutoNum type="arabicPeriod"/>
+            </a:pPr>
+            <a:endParaRPr lang="en-US" altLang="ja-JP" sz="3600" dirty="0" smtClean="0"/>
+          </a:p>
+          <a:p>
+            <a:pPr marL="742950" indent="-742950">
+              <a:buFont typeface="+mj-lt"/>
+              <a:buAutoNum type="arabicPeriod"/>
+            </a:pPr>
+            <a:endParaRPr lang="ja-JP" altLang="en-US" sz="3600" dirty="0"/>
+          </a:p>
+          <a:p>
+            <a:pPr marL="742950" indent="-742950">
+              <a:buFont typeface="+mj-lt"/>
+              <a:buAutoNum type="arabicPeriod"/>
+            </a:pPr>
+            <a:r>
+              <a:rPr lang="ja-JP" altLang="en-US" sz="3600" dirty="0"/>
+              <a:t>分析</a:t>
+            </a:r>
+            <a:r>
+              <a:rPr lang="ja-JP" altLang="en-US" sz="3600" dirty="0" smtClean="0"/>
+              <a:t>結果</a:t>
+            </a:r>
+            <a:r>
+              <a:rPr lang="ja-JP" altLang="en-US" sz="3600" dirty="0"/>
+              <a:t>を基に，リスク対策案を</a:t>
+            </a:r>
+            <a:r>
+              <a:rPr lang="ja-JP" altLang="en-US" sz="3600" dirty="0" smtClean="0"/>
+              <a:t>考察する．</a:t>
+            </a:r>
+            <a:endParaRPr lang="en-US" altLang="ja-JP" sz="3600" dirty="0"/>
+          </a:p>
+        </p:txBody>
+      </p:sp>
+      <p:sp>
+        <p:nvSpPr>
           <p:cNvPr id="3" name="テキスト ボックス 2"/>
           <p:cNvSpPr txBox="1"/>
           <p:nvPr/>
         </p:nvSpPr>
         <p:spPr>
           <a:xfrm>
-            <a:off x="889005" y="426468"/>
+            <a:off x="903397" y="729653"/>
             <a:ext cx="19738555" cy="1215844"/>
           </a:xfrm>
           <a:prstGeom prst="rect">
@@ -3794,6 +4050,20 @@
           <a:lstStyle/>
           <a:p>
             <a:pPr algn="ctr"/>
+            <a:r>
+              <a:rPr lang="en-US" altLang="ja-JP" sz="6113" dirty="0" smtClean="0">
+                <a:effectLst>
+                  <a:glow rad="101600">
+                    <a:srgbClr val="FFE880">
+                      <a:tint val="20000"/>
+                      <a:alpha val="60000"/>
+                    </a:srgbClr>
+                  </a:glow>
+                </a:effectLst>
+                <a:latin typeface="+mj-lt"/>
+              </a:rPr>
+              <a:t>Web</a:t>
+            </a:r>
             <a:r>
               <a:rPr lang="ja-JP" altLang="en-US" sz="6113" dirty="0" smtClean="0">
                 <a:effectLst>
@@ -3806,7 +4076,7 @@
                 </a:effectLst>
                 <a:latin typeface="+mj-lt"/>
               </a:rPr>
-              <a:t>検討中</a:t>
+              <a:t>サービスの障害発生に対する影響調査</a:t>
             </a:r>
             <a:endParaRPr lang="ja-JP" altLang="en-US" sz="6113" dirty="0">
               <a:effectLst>
@@ -3830,7 +4100,7 @@
         </p:nvSpPr>
         <p:spPr>
           <a:xfrm>
-            <a:off x="822547" y="1582216"/>
+            <a:off x="836939" y="1885401"/>
             <a:ext cx="19738555" cy="1042270"/>
           </a:xfrm>
           <a:prstGeom prst="rect">
@@ -3880,7 +4150,7 @@
         </p:nvSpPr>
         <p:spPr>
           <a:xfrm>
-            <a:off x="10134891" y="5308835"/>
+            <a:off x="9445315" y="5339262"/>
             <a:ext cx="3293225" cy="1205104"/>
           </a:xfrm>
           <a:prstGeom prst="rightArrow">
@@ -3930,8 +4200,8 @@
         </p:nvSpPr>
         <p:spPr>
           <a:xfrm>
-            <a:off x="13686811" y="4366728"/>
-            <a:ext cx="6664694" cy="1973745"/>
+            <a:off x="12987773" y="4718142"/>
+            <a:ext cx="7359315" cy="1446550"/>
           </a:xfrm>
           <a:prstGeom prst="rect">
             <a:avLst/>
@@ -3945,10 +4215,18 @@
           <a:lstStyle/>
           <a:p>
             <a:r>
-              <a:rPr lang="ja-JP" altLang="en-US" sz="6000" dirty="0"/>
-              <a:t>プロジェクトの進捗に影響するリスク</a:t>
-            </a:r>
-            <a:endParaRPr lang="en-US" altLang="ja-JP" sz="6000" dirty="0"/>
+              <a:rPr lang="ja-JP" altLang="en-US" sz="4400" dirty="0" smtClean="0"/>
+              <a:t>ソフトウェア開発プロジェクト</a:t>
+            </a:r>
+            <a:r>
+              <a:rPr lang="ja-JP" altLang="en-US" sz="4400" dirty="0"/>
+              <a:t>の進捗に影響</a:t>
+            </a:r>
+            <a:r>
+              <a:rPr lang="ja-JP" altLang="en-US" sz="4400" dirty="0" smtClean="0"/>
+              <a:t>する</a:t>
+            </a:r>
+            <a:endParaRPr lang="en-US" altLang="ja-JP" sz="4400" dirty="0"/>
           </a:p>
         </p:txBody>
       </p:sp>
@@ -3975,8 +4253,8 @@
         </p:blipFill>
         <p:spPr bwMode="auto">
           <a:xfrm>
-            <a:off x="615909" y="3642630"/>
-            <a:ext cx="5207009" cy="1930063"/>
+            <a:off x="555462" y="3833086"/>
+            <a:ext cx="4545802" cy="1684976"/>
           </a:xfrm>
           <a:prstGeom prst="rect">
             <a:avLst/>
@@ -4016,8 +4294,8 @@
         </p:blipFill>
         <p:spPr bwMode="auto">
           <a:xfrm>
-            <a:off x="5696631" y="3863141"/>
-            <a:ext cx="3654040" cy="1827020"/>
+            <a:off x="5186540" y="3885387"/>
+            <a:ext cx="2922584" cy="1461292"/>
           </a:xfrm>
           <a:prstGeom prst="rect">
             <a:avLst/>
@@ -4042,7 +4320,7 @@
           </p:cNvPicPr>
           <p:nvPr/>
         </p:nvPicPr>
-        <p:blipFill>
+        <p:blipFill rotWithShape="1">
           <a:blip r:embed="rId4" cstate="print">
             <a:extLst>
               <a:ext uri="{28A0092B-C50C-407E-A947-70E740481C1C}">
@@ -4050,15 +4328,13 @@
               </a:ext>
             </a:extLst>
           </a:blip>
-          <a:srcRect/>
-          <a:stretch>
-            <a:fillRect/>
-          </a:stretch>
+          <a:srcRect l="14928" t="33670" r="12739" b="9929"/>
+          <a:stretch/>
         </p:blipFill>
         <p:spPr bwMode="auto">
           <a:xfrm>
-            <a:off x="180364" y="4350374"/>
-            <a:ext cx="5151241" cy="3058551"/>
+            <a:off x="1471095" y="5230019"/>
+            <a:ext cx="3104212" cy="1437136"/>
           </a:xfrm>
           <a:prstGeom prst="rect">
             <a:avLst/>
@@ -4083,7 +4359,7 @@
         </p:nvSpPr>
         <p:spPr>
           <a:xfrm>
-            <a:off x="1277116" y="2791757"/>
+            <a:off x="882807" y="2914418"/>
             <a:ext cx="3239860" cy="1071384"/>
           </a:xfrm>
           <a:prstGeom prst="roundRect">
@@ -4151,8 +4427,8 @@
         </p:blipFill>
         <p:spPr bwMode="auto">
           <a:xfrm>
-            <a:off x="4770306" y="5711410"/>
-            <a:ext cx="5115352" cy="1081281"/>
+            <a:off x="4824540" y="5471225"/>
+            <a:ext cx="4046256" cy="855296"/>
           </a:xfrm>
           <a:prstGeom prst="rect">
             <a:avLst/>
@@ -4177,7 +4453,7 @@
         </p:nvSpPr>
         <p:spPr>
           <a:xfrm>
-            <a:off x="1235976" y="7278313"/>
+            <a:off x="841667" y="6721754"/>
             <a:ext cx="3239860" cy="1071384"/>
           </a:xfrm>
           <a:prstGeom prst="roundRect">
@@ -4232,8 +4508,8 @@
         </p:nvSpPr>
         <p:spPr>
           <a:xfrm>
-            <a:off x="1060813" y="8648678"/>
-            <a:ext cx="19692803" cy="1409360"/>
+            <a:off x="758411" y="7981391"/>
+            <a:ext cx="19692803" cy="1323439"/>
           </a:xfrm>
           <a:prstGeom prst="rect">
             <a:avLst/>
@@ -4246,13 +4522,26 @@
           <a:lstStyle/>
           <a:p>
             <a:r>
-              <a:rPr lang="en-US" altLang="ja-JP" sz="4279" dirty="0"/>
+              <a:rPr lang="en-US" altLang="ja-JP" sz="4000" dirty="0"/>
               <a:t>Web</a:t>
             </a:r>
             <a:r>
-              <a:rPr lang="ja-JP" altLang="en-US" sz="4279" dirty="0"/>
-              <a:t>サービスの障害が発生した場合どれほどの人に，どのような影響が及ぶか調査．また，それに対する対策案の考案．</a:t>
-            </a:r>
+              <a:rPr lang="ja-JP" altLang="en-US" sz="4000" dirty="0"/>
+              <a:t>サービスの障害が発生した場合どれほどの人に，どのような影響が及ぶか</a:t>
+            </a:r>
+            <a:r>
+              <a:rPr lang="ja-JP" altLang="en-US" sz="4000" dirty="0" smtClean="0"/>
+              <a:t>調査する．</a:t>
+            </a:r>
+            <a:r>
+              <a:rPr lang="ja-JP" altLang="en-US" sz="4000" dirty="0"/>
+              <a:t>また，それに対する対策案の</a:t>
+            </a:r>
+            <a:r>
+              <a:rPr lang="ja-JP" altLang="en-US" sz="4000" dirty="0" smtClean="0"/>
+              <a:t>考案する．</a:t>
+            </a:r>
+            <a:endParaRPr lang="ja-JP" altLang="en-US" sz="4000" dirty="0"/>
           </a:p>
         </p:txBody>
       </p:sp>
@@ -4264,8 +4553,8 @@
         </p:nvSpPr>
         <p:spPr>
           <a:xfrm>
-            <a:off x="1235434" y="26911134"/>
-            <a:ext cx="20148191" cy="2726387"/>
+            <a:off x="867608" y="26835412"/>
+            <a:ext cx="19789001" cy="2862322"/>
           </a:xfrm>
           <a:prstGeom prst="rect">
             <a:avLst/>
@@ -4282,14 +4571,14 @@
               <a:buAutoNum type="arabicPeriod"/>
             </a:pPr>
             <a:r>
-              <a:rPr lang="ja-JP" altLang="en-US" sz="4279" dirty="0"/>
-              <a:t>当初予定していなかった時間帯，曜日を加味して分析を行う</a:t>
-            </a:r>
-            <a:r>
-              <a:rPr lang="ja-JP" altLang="en-US" sz="4279" dirty="0" smtClean="0"/>
-              <a:t>ことを検討</a:t>
-            </a:r>
-            <a:endParaRPr lang="en-US" altLang="ja-JP" sz="4279" dirty="0"/>
+              <a:rPr lang="ja-JP" altLang="en-US" sz="3600" dirty="0"/>
+              <a:t>時間帯，曜日を加味して分析を行うことも検討</a:t>
+            </a:r>
+            <a:r>
+              <a:rPr lang="ja-JP" altLang="en-US" sz="3600" dirty="0" smtClean="0"/>
+              <a:t>する．</a:t>
+            </a:r>
+            <a:endParaRPr lang="en-US" altLang="ja-JP" sz="3600" dirty="0" smtClean="0"/>
           </a:p>
           <a:p>
             <a:pPr marL="1048005" indent="-1048005">
@@ -4297,9 +4586,26 @@
               <a:buAutoNum type="arabicPeriod"/>
             </a:pPr>
             <a:r>
-              <a:rPr lang="ja-JP" altLang="en-US" sz="4279" dirty="0"/>
-              <a:t>集めたツイート本文のデータから頻出単語を抽出し分析</a:t>
-            </a:r>
+              <a:rPr lang="ja-JP" altLang="en-US" sz="3600" dirty="0" smtClean="0"/>
+              <a:t>集めた</a:t>
+            </a:r>
+            <a:r>
+              <a:rPr lang="ja-JP" altLang="en-US" sz="3600" dirty="0"/>
+              <a:t>ツイート本文のデータからテキストマイニングにより頻出単語を抽出し，多くツイートされている</a:t>
+            </a:r>
+            <a:r>
+              <a:rPr lang="ja-JP" altLang="en-US" sz="3600" dirty="0" smtClean="0"/>
+              <a:t>単語を</a:t>
+            </a:r>
+            <a:r>
+              <a:rPr lang="ja-JP" altLang="en-US" sz="3600" dirty="0"/>
+              <a:t>分析</a:t>
+            </a:r>
+            <a:r>
+              <a:rPr lang="ja-JP" altLang="en-US" sz="3600" dirty="0" smtClean="0"/>
+              <a:t>する．</a:t>
+            </a:r>
+            <a:endParaRPr lang="en-US" altLang="ja-JP" sz="3600" dirty="0" smtClean="0"/>
           </a:p>
           <a:p>
             <a:pPr marL="1048005" indent="-1048005">
@@ -4307,17 +4613,26 @@
               <a:buAutoNum type="arabicPeriod"/>
             </a:pPr>
             <a:r>
-              <a:rPr lang="ja-JP" altLang="en-US" sz="4279" dirty="0"/>
-              <a:t>背景で述べた他</a:t>
-            </a:r>
-            <a:r>
-              <a:rPr lang="en-US" altLang="ja-JP" sz="4279" dirty="0"/>
+              <a:rPr lang="ja-JP" altLang="en-US" sz="3600" dirty="0" smtClean="0"/>
+              <a:t>背景</a:t>
+            </a:r>
+            <a:r>
+              <a:rPr lang="ja-JP" altLang="en-US" sz="3600" dirty="0"/>
+              <a:t>で述べた他</a:t>
+            </a:r>
+            <a:r>
+              <a:rPr lang="en-US" altLang="ja-JP" sz="3600" dirty="0"/>
               <a:t>Web</a:t>
             </a:r>
             <a:r>
-              <a:rPr lang="ja-JP" altLang="en-US" sz="4279" dirty="0"/>
-              <a:t>サービスの障害発生についても同様に調査</a:t>
-            </a:r>
+              <a:rPr lang="ja-JP" altLang="en-US" sz="3600" dirty="0"/>
+              <a:t>サービスの障害発生についても同様に</a:t>
+            </a:r>
+            <a:r>
+              <a:rPr lang="ja-JP" altLang="en-US" sz="3600" dirty="0" smtClean="0"/>
+              <a:t>調査する．</a:t>
+            </a:r>
+            <a:endParaRPr lang="ja-JP" altLang="en-US" sz="3600" dirty="0"/>
           </a:p>
           <a:p>
             <a:pPr marL="1048005" indent="-1048005">
@@ -4325,13 +4640,30 @@
               <a:buAutoNum type="arabicPeriod"/>
             </a:pPr>
             <a:r>
-              <a:rPr lang="ja-JP" altLang="en-US" sz="4279" dirty="0" smtClean="0"/>
-              <a:t>リスク対策</a:t>
-            </a:r>
-            <a:r>
-              <a:rPr lang="ja-JP" altLang="en-US" sz="4279" dirty="0"/>
-              <a:t>案の考案</a:t>
-            </a:r>
+              <a:rPr lang="ja-JP" altLang="en-US" sz="3600" dirty="0"/>
+              <a:t> </a:t>
+            </a:r>
+            <a:r>
+              <a:rPr lang="en-US" altLang="ja-JP" sz="3600" dirty="0"/>
+              <a:t>4 </a:t>
+            </a:r>
+            <a:r>
+              <a:rPr lang="ja-JP" altLang="en-US" sz="3600" dirty="0"/>
+              <a:t>つの </a:t>
+            </a:r>
+            <a:r>
+              <a:rPr lang="en-US" altLang="ja-JP" sz="3600" dirty="0"/>
+              <a:t>Web </a:t>
+            </a:r>
+            <a:r>
+              <a:rPr lang="ja-JP" altLang="en-US" sz="3600" dirty="0"/>
+              <a:t>サービスのデータの調査した上で，障害発生に対するリスク対策案を考察</a:t>
+            </a:r>
+            <a:r>
+              <a:rPr lang="ja-JP" altLang="en-US" sz="3600" dirty="0" smtClean="0"/>
+              <a:t>する．</a:t>
+            </a:r>
+            <a:endParaRPr lang="ja-JP" altLang="en-US" sz="3600" dirty="0"/>
           </a:p>
         </p:txBody>
       </p:sp>
@@ -4343,7 +4675,7 @@
         </p:nvSpPr>
         <p:spPr>
           <a:xfrm>
-            <a:off x="1277116" y="25533909"/>
+            <a:off x="809973" y="25495106"/>
             <a:ext cx="4289349" cy="1071384"/>
           </a:xfrm>
           <a:prstGeom prst="roundRect">
@@ -4398,7 +4730,7 @@
         </p:nvSpPr>
         <p:spPr>
           <a:xfrm>
-            <a:off x="1235434" y="10345737"/>
+            <a:off x="897664" y="9584243"/>
             <a:ext cx="3239860" cy="1071384"/>
           </a:xfrm>
           <a:prstGeom prst="roundRect">
@@ -4453,8 +4785,8 @@
         </p:nvSpPr>
         <p:spPr>
           <a:xfrm>
-            <a:off x="11169691" y="11694270"/>
-            <a:ext cx="10318899" cy="1323439"/>
+            <a:off x="10685074" y="10940116"/>
+            <a:ext cx="10318899" cy="1754326"/>
           </a:xfrm>
           <a:prstGeom prst="rect">
             <a:avLst/>
@@ -4467,27 +4799,28 @@
           <a:lstStyle/>
           <a:p>
             <a:r>
-              <a:rPr lang="en-US" altLang="ja-JP" sz="4000" dirty="0"/>
-              <a:t>2016</a:t>
-            </a:r>
-            <a:r>
-              <a:rPr lang="ja-JP" altLang="en-US" sz="4000" dirty="0"/>
-              <a:t>年に発生した障害</a:t>
-            </a:r>
-            <a:r>
-              <a:rPr lang="en-US" altLang="ja-JP" sz="4000" dirty="0"/>
-              <a:t>13 </a:t>
-            </a:r>
-            <a:r>
-              <a:rPr lang="ja-JP" altLang="en-US" sz="4000" dirty="0"/>
-              <a:t>回分の</a:t>
-            </a:r>
-            <a:endParaRPr lang="en-US" altLang="ja-JP" sz="4000" dirty="0"/>
-          </a:p>
-          <a:p>
-            <a:r>
-              <a:rPr lang="ja-JP" altLang="en-US" sz="4000" dirty="0"/>
-              <a:t>ツイート数と発生間隔でグラフを作成</a:t>
+              <a:rPr lang="ja-JP" altLang="en-US" sz="3600" dirty="0"/>
+              <a:t>各障害の発生から復旧までに投稿されたツイートの数の</a:t>
+            </a:r>
+            <a:r>
+              <a:rPr lang="ja-JP" altLang="en-US" sz="3600" dirty="0" smtClean="0"/>
+              <a:t>グラフと</a:t>
+            </a:r>
+            <a:r>
+              <a:rPr lang="ja-JP" altLang="en-US" sz="3600" dirty="0"/>
+              <a:t>，各障害の発生から復旧までの時間で </a:t>
+            </a:r>
+            <a:r>
+              <a:rPr lang="en-US" altLang="ja-JP" sz="3600" dirty="0"/>
+              <a:t>2 </a:t>
+            </a:r>
+            <a:r>
+              <a:rPr lang="ja-JP" altLang="en-US" sz="3600" dirty="0" smtClean="0"/>
+              <a:t>つグラフ</a:t>
+            </a:r>
+            <a:r>
+              <a:rPr lang="ja-JP" altLang="en-US" sz="3600" dirty="0"/>
+              <a:t>を作成した．</a:t>
             </a:r>
           </a:p>
         </p:txBody>
@@ -4500,7 +4833,7 @@
         </p:nvSpPr>
         <p:spPr>
           <a:xfrm>
-            <a:off x="10907215" y="10345737"/>
+            <a:off x="11069536" y="9612206"/>
             <a:ext cx="4026010" cy="1071384"/>
           </a:xfrm>
           <a:prstGeom prst="roundRect">
@@ -4555,8 +4888,8 @@
         </p:nvSpPr>
         <p:spPr>
           <a:xfrm>
-            <a:off x="13723180" y="17159264"/>
-            <a:ext cx="3855302" cy="421526"/>
+            <a:off x="13418327" y="16893267"/>
+            <a:ext cx="4852391" cy="421526"/>
           </a:xfrm>
           <a:prstGeom prst="rect">
             <a:avLst/>
@@ -4573,12 +4906,16 @@
               <a:t>図 </a:t>
             </a:r>
             <a:r>
-              <a:rPr lang="en-US" altLang="ja-JP" sz="2139" dirty="0"/>
-              <a:t>1 </a:t>
+              <a:rPr lang="en-US" altLang="ja-JP" sz="2139" dirty="0" smtClean="0"/>
+              <a:t>1</a:t>
+            </a:r>
+            <a:r>
+              <a:rPr lang="ja-JP" altLang="en-US" sz="2139" dirty="0" smtClean="0"/>
+              <a:t>　各障害</a:t>
             </a:r>
             <a:r>
               <a:rPr lang="ja-JP" altLang="en-US" sz="2139" dirty="0"/>
-              <a:t>各障害発生時の時間間隔</a:t>
+              <a:t>の発生から復旧までの時間</a:t>
             </a:r>
           </a:p>
         </p:txBody>
@@ -4591,7 +4928,7 @@
         </p:nvSpPr>
         <p:spPr>
           <a:xfrm>
-            <a:off x="13723180" y="21665135"/>
+            <a:off x="13783703" y="21591168"/>
             <a:ext cx="4216242" cy="421526"/>
           </a:xfrm>
           <a:prstGeom prst="rect">
@@ -4613,413 +4950,16 @@
               <a:t>2 </a:t>
             </a:r>
             <a:r>
+              <a:rPr lang="ja-JP" altLang="en-US" sz="2139" dirty="0" smtClean="0"/>
+              <a:t>　各障害</a:t>
+            </a:r>
+            <a:r>
               <a:rPr lang="ja-JP" altLang="en-US" sz="2139" dirty="0"/>
-              <a:t>各障害発生時のツイート数</a:t>
-            </a:r>
-          </a:p>
-        </p:txBody>
-      </p:sp>
-      <p:sp>
-        <p:nvSpPr>
-          <p:cNvPr id="19" name="正方形/長方形 18"/>
-          <p:cNvSpPr/>
-          <p:nvPr/>
-        </p:nvSpPr>
-        <p:spPr>
-          <a:xfrm>
-            <a:off x="10857334" y="22363810"/>
-            <a:ext cx="10516138" cy="3170099"/>
-          </a:xfrm>
-          <a:prstGeom prst="rect">
-            <a:avLst/>
-          </a:prstGeom>
-        </p:spPr>
-        <p:txBody>
-          <a:bodyPr wrap="square">
-            <a:spAutoFit/>
-          </a:bodyPr>
-          <a:lstStyle/>
-          <a:p>
-            <a:r>
-              <a:rPr lang="ja-JP" altLang="en-US" sz="4000" dirty="0"/>
-              <a:t>データ収集をした</a:t>
-            </a:r>
-            <a:r>
-              <a:rPr lang="ja-JP" altLang="en-US" sz="4000" dirty="0" smtClean="0"/>
-              <a:t>時点</a:t>
-            </a:r>
-            <a:r>
-              <a:rPr lang="ja-JP" altLang="en-US" sz="4000" dirty="0"/>
-              <a:t>の考察</a:t>
-            </a:r>
-            <a:endParaRPr lang="en-US" altLang="ja-JP" sz="4000" dirty="0"/>
-          </a:p>
-          <a:p>
-            <a:pPr marL="1048005" indent="-1048005">
-              <a:buFont typeface="+mj-lt"/>
-              <a:buAutoNum type="arabicPeriod"/>
-            </a:pPr>
-            <a:r>
-              <a:rPr lang="ja-JP" altLang="en-US" sz="4000" dirty="0"/>
-              <a:t>曜日や時間帯等によって取得したツイートの数に幅が</a:t>
-            </a:r>
-            <a:r>
-              <a:rPr lang="ja-JP" altLang="en-US" sz="4000" dirty="0" smtClean="0"/>
-              <a:t>ある</a:t>
-            </a:r>
-            <a:endParaRPr lang="ja-JP" altLang="en-US" sz="4000" dirty="0"/>
-          </a:p>
-          <a:p>
-            <a:pPr marL="1048005" indent="-1048005">
-              <a:buFont typeface="+mj-lt"/>
-              <a:buAutoNum type="arabicPeriod"/>
-            </a:pPr>
-            <a:r>
-              <a:rPr lang="ja-JP" altLang="en-US" sz="4000" dirty="0" smtClean="0"/>
-              <a:t>障害</a:t>
-            </a:r>
-            <a:r>
-              <a:rPr lang="ja-JP" altLang="en-US" sz="4000" dirty="0"/>
-              <a:t>の発生・復旧報告が</a:t>
-            </a:r>
-            <a:r>
-              <a:rPr lang="en-US" altLang="ja-JP" sz="4000" dirty="0"/>
-              <a:t>GitHub Status</a:t>
-            </a:r>
-            <a:r>
-              <a:rPr lang="ja-JP" altLang="en-US" sz="4000" dirty="0"/>
-              <a:t>よりも平均約 </a:t>
-            </a:r>
-            <a:r>
-              <a:rPr lang="en-US" altLang="ja-JP" sz="4000" dirty="0"/>
-              <a:t>7.7 </a:t>
-            </a:r>
-            <a:r>
-              <a:rPr lang="ja-JP" altLang="en-US" sz="4000" dirty="0"/>
-              <a:t>分ほど</a:t>
-            </a:r>
-            <a:r>
-              <a:rPr lang="ja-JP" altLang="en-US" sz="4000" dirty="0" smtClean="0"/>
-              <a:t>速い</a:t>
-            </a:r>
-            <a:endParaRPr lang="ja-JP" altLang="en-US" sz="4000" dirty="0"/>
-          </a:p>
-        </p:txBody>
-      </p:sp>
-      <p:sp>
-        <p:nvSpPr>
-          <p:cNvPr id="11" name="テキスト ボックス 10"/>
-          <p:cNvSpPr txBox="1"/>
-          <p:nvPr/>
-        </p:nvSpPr>
-        <p:spPr>
-          <a:xfrm>
-            <a:off x="1017096" y="11730511"/>
-            <a:ext cx="9890119" cy="12403395"/>
-          </a:xfrm>
-          <a:prstGeom prst="rect">
-            <a:avLst/>
-          </a:prstGeom>
-          <a:solidFill>
-            <a:schemeClr val="bg1"/>
-          </a:solidFill>
-        </p:spPr>
-        <p:txBody>
-          <a:bodyPr wrap="square" rtlCol="0">
-            <a:spAutoFit/>
-          </a:bodyPr>
-          <a:lstStyle/>
-          <a:p>
-            <a:pPr marL="742950" indent="-742950">
-              <a:buFont typeface="+mj-lt"/>
-              <a:buAutoNum type="arabicPeriod"/>
-            </a:pPr>
-            <a:r>
-              <a:rPr lang="en-US" altLang="ja-JP" sz="4000" dirty="0"/>
-              <a:t>GitHub Status</a:t>
-            </a:r>
-            <a:r>
-              <a:rPr lang="ja-JP" altLang="en-US" sz="4000" dirty="0"/>
-              <a:t>を参考に障害発生時間</a:t>
-            </a:r>
-            <a:r>
-              <a:rPr lang="ja-JP" altLang="en-US" sz="4000" dirty="0" smtClean="0"/>
-              <a:t>を指定</a:t>
-            </a:r>
-            <a:r>
-              <a:rPr lang="ja-JP" altLang="en-US" sz="4000" dirty="0"/>
-              <a:t>し</a:t>
-            </a:r>
-            <a:r>
-              <a:rPr lang="en-US" altLang="ja-JP" sz="4000" dirty="0"/>
-              <a:t>Twitter</a:t>
-            </a:r>
-            <a:r>
-              <a:rPr lang="ja-JP" altLang="en-US" sz="4000" dirty="0"/>
-              <a:t>で</a:t>
-            </a:r>
-            <a:r>
-              <a:rPr lang="ja-JP" altLang="en-US" sz="4000" dirty="0" smtClean="0"/>
-              <a:t>検索，</a:t>
-            </a:r>
-            <a:r>
-              <a:rPr lang="ja-JP" altLang="en-US" sz="4000" dirty="0"/>
-              <a:t>ページを</a:t>
-            </a:r>
-            <a:r>
-              <a:rPr lang="en-US" altLang="ja-JP" sz="4000" dirty="0" smtClean="0"/>
-              <a:t>HTML</a:t>
-            </a:r>
-            <a:r>
-              <a:rPr lang="ja-JP" altLang="en-US" sz="4000" dirty="0"/>
-              <a:t>で</a:t>
-            </a:r>
-            <a:r>
-              <a:rPr lang="ja-JP" altLang="en-US" sz="4000" dirty="0" smtClean="0"/>
-              <a:t>保存</a:t>
-            </a:r>
-            <a:endParaRPr lang="en-US" altLang="ja-JP" sz="4000" dirty="0" smtClean="0"/>
-          </a:p>
-          <a:p>
-            <a:pPr marL="742950" indent="-742950">
-              <a:buFont typeface="+mj-lt"/>
-              <a:buAutoNum type="arabicPeriod"/>
-            </a:pPr>
-            <a:endParaRPr lang="en-US" altLang="ja-JP" sz="4000" dirty="0"/>
-          </a:p>
-          <a:p>
-            <a:pPr marL="742950" indent="-742950">
-              <a:buFont typeface="+mj-lt"/>
-              <a:buAutoNum type="arabicPeriod"/>
-            </a:pPr>
-            <a:endParaRPr lang="en-US" altLang="ja-JP" sz="4000" dirty="0" smtClean="0"/>
-          </a:p>
-          <a:p>
-            <a:pPr marL="742950" indent="-742950">
-              <a:buFont typeface="+mj-lt"/>
-              <a:buAutoNum type="arabicPeriod"/>
-            </a:pPr>
-            <a:endParaRPr lang="en-US" altLang="ja-JP" sz="4000" dirty="0" smtClean="0"/>
-          </a:p>
-          <a:p>
-            <a:pPr marL="742950" indent="-742950">
-              <a:buFont typeface="+mj-lt"/>
-              <a:buAutoNum type="arabicPeriod"/>
-            </a:pPr>
-            <a:r>
-              <a:rPr lang="ja-JP" altLang="en-US" sz="4000" dirty="0"/>
-              <a:t>クローラーを</a:t>
-            </a:r>
-            <a:r>
-              <a:rPr lang="ja-JP" altLang="en-US" sz="4000" dirty="0" smtClean="0"/>
-              <a:t>用いて保存した</a:t>
-            </a:r>
-            <a:r>
-              <a:rPr lang="en-US" altLang="ja-JP" sz="4000" dirty="0" smtClean="0"/>
-              <a:t>HTML</a:t>
-            </a:r>
-            <a:r>
-              <a:rPr lang="ja-JP" altLang="en-US" sz="4000" dirty="0" smtClean="0"/>
-              <a:t>から　　ツイート</a:t>
-            </a:r>
-            <a:r>
-              <a:rPr lang="ja-JP" altLang="en-US" sz="4000" dirty="0"/>
-              <a:t>の本文と時間を</a:t>
-            </a:r>
-            <a:r>
-              <a:rPr lang="ja-JP" altLang="en-US" sz="4000" dirty="0" smtClean="0"/>
-              <a:t>抽出</a:t>
-            </a:r>
-            <a:endParaRPr lang="en-US" altLang="ja-JP" sz="4000" dirty="0" smtClean="0"/>
-          </a:p>
-          <a:p>
-            <a:pPr marL="742950" indent="-742950">
-              <a:buFont typeface="+mj-lt"/>
-              <a:buAutoNum type="arabicPeriod"/>
-            </a:pPr>
-            <a:endParaRPr lang="en-US" altLang="ja-JP" sz="4000" dirty="0" smtClean="0"/>
-          </a:p>
-          <a:p>
-            <a:pPr marL="742950" indent="-742950">
-              <a:buFont typeface="+mj-lt"/>
-              <a:buAutoNum type="arabicPeriod"/>
-            </a:pPr>
-            <a:endParaRPr lang="en-US" altLang="ja-JP" sz="4000" dirty="0" smtClean="0"/>
-          </a:p>
-          <a:p>
-            <a:pPr marL="742950" indent="-742950">
-              <a:buFont typeface="+mj-lt"/>
-              <a:buAutoNum type="arabicPeriod"/>
-            </a:pPr>
-            <a:endParaRPr lang="ja-JP" altLang="en-US" sz="4000" dirty="0"/>
-          </a:p>
-          <a:p>
-            <a:pPr marL="742950" indent="-742950">
-              <a:buFont typeface="+mj-lt"/>
-              <a:buAutoNum type="arabicPeriod"/>
-            </a:pPr>
-            <a:r>
-              <a:rPr lang="en-US" altLang="ja-JP" sz="4000" dirty="0"/>
-              <a:t>2016</a:t>
-            </a:r>
-            <a:r>
-              <a:rPr lang="ja-JP" altLang="en-US" sz="4000" dirty="0"/>
-              <a:t>年の</a:t>
-            </a:r>
-            <a:r>
-              <a:rPr lang="ja-JP" altLang="en-US" sz="4000" dirty="0" smtClean="0"/>
-              <a:t>障害発生ごとに</a:t>
-            </a:r>
-            <a:r>
-              <a:rPr lang="ja-JP" altLang="en-US" sz="4000" dirty="0"/>
-              <a:t>抽出を</a:t>
-            </a:r>
-            <a:r>
-              <a:rPr lang="ja-JP" altLang="en-US" sz="4000" dirty="0" smtClean="0"/>
-              <a:t>繰り返す</a:t>
-            </a:r>
-            <a:endParaRPr lang="en-US" altLang="ja-JP" sz="4000" dirty="0" smtClean="0"/>
-          </a:p>
-          <a:p>
-            <a:pPr marL="742950" indent="-742950">
-              <a:buFont typeface="+mj-lt"/>
-              <a:buAutoNum type="arabicPeriod"/>
-            </a:pPr>
-            <a:endParaRPr lang="en-US" altLang="ja-JP" sz="4000" dirty="0" smtClean="0"/>
-          </a:p>
-          <a:p>
-            <a:pPr marL="742950" indent="-742950">
-              <a:buFont typeface="+mj-lt"/>
-              <a:buAutoNum type="arabicPeriod"/>
-            </a:pPr>
-            <a:endParaRPr lang="en-US" altLang="ja-JP" sz="4000" dirty="0"/>
-          </a:p>
-          <a:p>
-            <a:pPr marL="742950" indent="-742950">
-              <a:buFont typeface="+mj-lt"/>
-              <a:buAutoNum type="arabicPeriod"/>
-            </a:pPr>
-            <a:endParaRPr lang="ja-JP" altLang="en-US" sz="4000" dirty="0"/>
-          </a:p>
-          <a:p>
-            <a:pPr marL="742950" indent="-742950">
-              <a:buFont typeface="+mj-lt"/>
-              <a:buAutoNum type="arabicPeriod"/>
-            </a:pPr>
-            <a:r>
-              <a:rPr lang="ja-JP" altLang="en-US" sz="4000" dirty="0"/>
-              <a:t>頻出単語の抽出を行い，どのような反応があるのか</a:t>
-            </a:r>
-            <a:r>
-              <a:rPr lang="ja-JP" altLang="en-US" sz="4000" dirty="0" smtClean="0"/>
-              <a:t>分析</a:t>
-            </a:r>
-            <a:endParaRPr lang="en-US" altLang="ja-JP" sz="4000" dirty="0" smtClean="0"/>
-          </a:p>
-          <a:p>
-            <a:pPr marL="742950" indent="-742950">
-              <a:buFont typeface="+mj-lt"/>
-              <a:buAutoNum type="arabicPeriod"/>
-            </a:pPr>
-            <a:endParaRPr lang="en-US" altLang="ja-JP" sz="4000" dirty="0" smtClean="0"/>
-          </a:p>
-          <a:p>
-            <a:pPr marL="742950" indent="-742950">
-              <a:buFont typeface="+mj-lt"/>
-              <a:buAutoNum type="arabicPeriod"/>
-            </a:pPr>
-            <a:endParaRPr lang="en-US" altLang="ja-JP" sz="4000" dirty="0" smtClean="0"/>
-          </a:p>
-          <a:p>
-            <a:pPr marL="742950" indent="-742950">
-              <a:buFont typeface="+mj-lt"/>
-              <a:buAutoNum type="arabicPeriod"/>
-            </a:pPr>
-            <a:endParaRPr lang="ja-JP" altLang="en-US" sz="4000" dirty="0"/>
-          </a:p>
-          <a:p>
-            <a:pPr marL="742950" indent="-742950">
-              <a:buFont typeface="+mj-lt"/>
-              <a:buAutoNum type="arabicPeriod"/>
-            </a:pPr>
-            <a:r>
-              <a:rPr lang="ja-JP" altLang="en-US" sz="4000" dirty="0"/>
-              <a:t>分析結果を基に，リスク対策案を</a:t>
-            </a:r>
-            <a:r>
-              <a:rPr lang="ja-JP" altLang="en-US" sz="4000" dirty="0" smtClean="0"/>
-              <a:t>考察</a:t>
-            </a:r>
-            <a:endParaRPr lang="en-US" altLang="ja-JP" sz="4000" dirty="0"/>
-          </a:p>
-        </p:txBody>
-      </p:sp>
-      <p:pic>
-        <p:nvPicPr>
-          <p:cNvPr id="24" name="図 23"/>
-          <p:cNvPicPr/>
-          <p:nvPr/>
-        </p:nvPicPr>
-        <p:blipFill>
-          <a:blip r:embed="rId6" cstate="print">
-            <a:extLst>
-              <a:ext uri="{28A0092B-C50C-407E-A947-70E740481C1C}">
-                <a14:useLocalDpi xmlns:a14="http://schemas.microsoft.com/office/drawing/2010/main" val="0"/>
-              </a:ext>
-            </a:extLst>
-          </a:blip>
-          <a:srcRect/>
-          <a:stretch>
-            <a:fillRect/>
-          </a:stretch>
-        </p:blipFill>
-        <p:spPr bwMode="auto">
-          <a:xfrm>
-            <a:off x="11876254" y="13183759"/>
-            <a:ext cx="7549154" cy="3963479"/>
-          </a:xfrm>
-          <a:prstGeom prst="rect">
-            <a:avLst/>
-          </a:prstGeom>
-          <a:noFill/>
-          <a:ln>
-            <a:noFill/>
-          </a:ln>
-        </p:spPr>
-      </p:pic>
-      <p:pic>
-        <p:nvPicPr>
-          <p:cNvPr id="25" name="図 24"/>
-          <p:cNvPicPr/>
-          <p:nvPr/>
-        </p:nvPicPr>
-        <p:blipFill>
-          <a:blip r:embed="rId7" cstate="print">
-            <a:extLst>
-              <a:ext uri="{28A0092B-C50C-407E-A947-70E740481C1C}">
-                <a14:useLocalDpi xmlns:a14="http://schemas.microsoft.com/office/drawing/2010/main" val="0"/>
-              </a:ext>
-            </a:extLst>
-          </a:blip>
-          <a:srcRect/>
-          <a:stretch>
-            <a:fillRect/>
-          </a:stretch>
-        </p:blipFill>
-        <p:spPr bwMode="auto">
-          <a:xfrm>
-            <a:off x="11870426" y="17634449"/>
-            <a:ext cx="7549154" cy="3977285"/>
-          </a:xfrm>
-          <a:prstGeom prst="rect">
-            <a:avLst/>
-          </a:prstGeom>
-          <a:noFill/>
-          <a:ln>
-            <a:noFill/>
-          </a:ln>
-        </p:spPr>
-      </p:pic>
+              <a:t>発生時のツイート数</a:t>
+            </a:r>
+          </a:p>
+        </p:txBody>
+      </p:sp>
       <p:sp>
         <p:nvSpPr>
           <p:cNvPr id="2" name="正方形/長方形 1"/>
@@ -5028,7 +4968,7 @@
         </p:nvSpPr>
         <p:spPr>
           <a:xfrm>
-            <a:off x="9986539" y="4395956"/>
+            <a:off x="9296963" y="4426383"/>
             <a:ext cx="2954655" cy="923330"/>
           </a:xfrm>
           <a:prstGeom prst="rect">
@@ -5055,217 +4995,183 @@
       </p:sp>
       <p:sp>
         <p:nvSpPr>
-          <p:cNvPr id="33" name="下矢印 32"/>
+          <p:cNvPr id="5" name="正方形/長方形 4"/>
           <p:cNvSpPr/>
           <p:nvPr/>
         </p:nvSpPr>
         <p:spPr>
           <a:xfrm>
-            <a:off x="4759486" y="13183759"/>
-            <a:ext cx="2043874" cy="1551478"/>
+            <a:off x="738649" y="10930546"/>
+            <a:ext cx="10125879" cy="1754326"/>
           </a:xfrm>
-          <a:prstGeom prst="downArrow">
-            <a:avLst>
-              <a:gd name="adj1" fmla="val 50000"/>
-              <a:gd name="adj2" fmla="val 0"/>
-            </a:avLst>
+          <a:prstGeom prst="rect">
+            <a:avLst/>
           </a:prstGeom>
-          <a:solidFill>
-            <a:schemeClr val="tx2">
-              <a:lumMod val="60000"/>
-              <a:lumOff val="40000"/>
-            </a:schemeClr>
-          </a:solidFill>
-          <a:ln>
-            <a:solidFill>
-              <a:schemeClr val="bg1"/>
-            </a:solidFill>
-          </a:ln>
         </p:spPr>
-        <p:style>
-          <a:lnRef idx="2">
-            <a:schemeClr val="accent1">
-              <a:shade val="50000"/>
-            </a:schemeClr>
-          </a:lnRef>
-          <a:fillRef idx="1">
-            <a:schemeClr val="accent1"/>
-          </a:fillRef>
-          <a:effectRef idx="0">
-            <a:schemeClr val="accent1"/>
-          </a:effectRef>
-          <a:fontRef idx="minor">
-            <a:schemeClr val="lt1"/>
-          </a:fontRef>
-        </p:style>
-        <p:txBody>
-          <a:bodyPr rtlCol="0" anchor="ctr"/>
-          <a:lstStyle/>
-          <a:p>
-            <a:pPr algn="ctr"/>
-            <a:endParaRPr kumimoji="1" lang="ja-JP" altLang="en-US"/>
-          </a:p>
-        </p:txBody>
-      </p:sp>
-      <p:sp>
-        <p:nvSpPr>
-          <p:cNvPr id="34" name="下矢印 33"/>
+        <p:txBody>
+          <a:bodyPr wrap="square">
+            <a:spAutoFit/>
+          </a:bodyPr>
+          <a:lstStyle/>
+          <a:p>
+            <a:r>
+              <a:rPr lang="ja-JP" altLang="en-US" sz="3600" dirty="0"/>
+              <a:t>ソフトウェア開発プロジェクトにおいて使用する代表的な </a:t>
+            </a:r>
+            <a:r>
+              <a:rPr lang="en-US" altLang="ja-JP" sz="3600" dirty="0"/>
+              <a:t>Web </a:t>
+            </a:r>
+            <a:r>
+              <a:rPr lang="ja-JP" altLang="en-US" sz="3600" dirty="0"/>
+              <a:t>サービスである </a:t>
+            </a:r>
+            <a:r>
+              <a:rPr lang="en-US" altLang="ja-JP" sz="3600" dirty="0"/>
+              <a:t>GitHub </a:t>
+            </a:r>
+            <a:r>
+              <a:rPr lang="ja-JP" altLang="en-US" sz="3600" dirty="0"/>
+              <a:t>の障害発生時</a:t>
+            </a:r>
+            <a:r>
+              <a:rPr lang="ja-JP" altLang="en-US" sz="3600" dirty="0" smtClean="0"/>
+              <a:t>の状況</a:t>
+            </a:r>
+            <a:r>
+              <a:rPr lang="ja-JP" altLang="en-US" sz="3600" dirty="0"/>
+              <a:t>について調査する．</a:t>
+            </a:r>
+          </a:p>
+        </p:txBody>
+      </p:sp>
+      <p:sp>
+        <p:nvSpPr>
+          <p:cNvPr id="19" name="正方形/長方形 18"/>
           <p:cNvSpPr/>
           <p:nvPr/>
         </p:nvSpPr>
         <p:spPr>
           <a:xfrm>
-            <a:off x="4759486" y="16139595"/>
-            <a:ext cx="2043874" cy="1551478"/>
+            <a:off x="10685301" y="22021962"/>
+            <a:ext cx="9999245" cy="3477875"/>
           </a:xfrm>
-          <a:prstGeom prst="downArrow">
-            <a:avLst>
-              <a:gd name="adj1" fmla="val 50000"/>
-              <a:gd name="adj2" fmla="val 0"/>
-            </a:avLst>
+          <a:prstGeom prst="rect">
+            <a:avLst/>
           </a:prstGeom>
-          <a:solidFill>
-            <a:schemeClr val="tx2">
-              <a:lumMod val="60000"/>
-              <a:lumOff val="40000"/>
-            </a:schemeClr>
-          </a:solidFill>
-          <a:ln>
-            <a:solidFill>
-              <a:schemeClr val="bg1"/>
-            </a:solidFill>
-          </a:ln>
         </p:spPr>
-        <p:style>
-          <a:lnRef idx="2">
-            <a:schemeClr val="accent1">
-              <a:shade val="50000"/>
-            </a:schemeClr>
-          </a:lnRef>
-          <a:fillRef idx="1">
-            <a:schemeClr val="accent1"/>
-          </a:fillRef>
-          <a:effectRef idx="0">
-            <a:schemeClr val="accent1"/>
-          </a:effectRef>
-          <a:fontRef idx="minor">
-            <a:schemeClr val="lt1"/>
-          </a:fontRef>
-        </p:style>
-        <p:txBody>
-          <a:bodyPr rtlCol="0" anchor="ctr"/>
-          <a:lstStyle/>
-          <a:p>
-            <a:pPr algn="ctr"/>
-            <a:endParaRPr kumimoji="1" lang="ja-JP" altLang="en-US"/>
-          </a:p>
-        </p:txBody>
-      </p:sp>
-      <p:sp>
-        <p:nvSpPr>
-          <p:cNvPr id="35" name="下矢印 34"/>
-          <p:cNvSpPr/>
+        <p:txBody>
+          <a:bodyPr wrap="square">
+            <a:spAutoFit/>
+          </a:bodyPr>
+          <a:lstStyle/>
+          <a:p>
+            <a:r>
+              <a:rPr lang="ja-JP" altLang="en-US" sz="4000" dirty="0" smtClean="0"/>
+              <a:t>考察</a:t>
+            </a:r>
+            <a:endParaRPr lang="en-US" altLang="ja-JP" sz="4000" dirty="0"/>
+          </a:p>
+          <a:p>
+            <a:pPr marL="1048005" indent="-1048005">
+              <a:buFont typeface="+mj-lt"/>
+              <a:buAutoNum type="arabicPeriod"/>
+            </a:pPr>
+            <a:r>
+              <a:rPr lang="ja-JP" altLang="en-US" sz="3600" dirty="0"/>
+              <a:t>曜日や時間帯等によって取得したツイートの数に幅が</a:t>
+            </a:r>
+            <a:r>
+              <a:rPr lang="ja-JP" altLang="en-US" sz="3600" dirty="0" smtClean="0"/>
+              <a:t>ある．土日祝日や深夜でも反応する人は一定数存在する．</a:t>
+            </a:r>
+            <a:endParaRPr lang="en-US" altLang="ja-JP" sz="3600" dirty="0" smtClean="0"/>
+          </a:p>
+          <a:p>
+            <a:pPr marL="1048005" indent="-1048005">
+              <a:buFont typeface="+mj-lt"/>
+              <a:buAutoNum type="arabicPeriod"/>
+            </a:pPr>
+            <a:r>
+              <a:rPr lang="ja-JP" altLang="en-US" sz="3600" dirty="0" smtClean="0"/>
+              <a:t>障害</a:t>
+            </a:r>
+            <a:r>
+              <a:rPr lang="ja-JP" altLang="en-US" sz="3600" dirty="0"/>
+              <a:t>の発生・復旧報告が</a:t>
+            </a:r>
+            <a:r>
+              <a:rPr lang="en-US" altLang="ja-JP" sz="3600" dirty="0"/>
+              <a:t>GitHub Status</a:t>
+            </a:r>
+            <a:r>
+              <a:rPr lang="ja-JP" altLang="en-US" sz="3600" dirty="0"/>
+              <a:t>よりも平均約 </a:t>
+            </a:r>
+            <a:r>
+              <a:rPr lang="en-US" altLang="ja-JP" sz="3600" dirty="0"/>
+              <a:t>7.7 </a:t>
+            </a:r>
+            <a:r>
+              <a:rPr lang="ja-JP" altLang="en-US" sz="3600" dirty="0"/>
+              <a:t>分ほど</a:t>
+            </a:r>
+            <a:r>
+              <a:rPr lang="ja-JP" altLang="en-US" sz="3600" dirty="0" smtClean="0"/>
+              <a:t>速い．</a:t>
+            </a:r>
+            <a:endParaRPr lang="ja-JP" altLang="en-US" sz="3600" dirty="0"/>
+          </a:p>
+        </p:txBody>
+      </p:sp>
+      <p:pic>
+        <p:nvPicPr>
+          <p:cNvPr id="6" name="図 5"/>
+          <p:cNvPicPr>
+            <a:picLocks noChangeAspect="1"/>
+          </p:cNvPicPr>
           <p:nvPr/>
-        </p:nvSpPr>
+        </p:nvPicPr>
+        <p:blipFill>
+          <a:blip r:embed="rId6"/>
+          <a:stretch>
+            <a:fillRect/>
+          </a:stretch>
+        </p:blipFill>
         <p:spPr>
           <a:xfrm>
-            <a:off x="4759486" y="18684701"/>
-            <a:ext cx="2043874" cy="1551478"/>
+            <a:off x="12477671" y="12646272"/>
+            <a:ext cx="6733704" cy="4041277"/>
           </a:xfrm>
-          <a:prstGeom prst="downArrow">
-            <a:avLst>
-              <a:gd name="adj1" fmla="val 50000"/>
-              <a:gd name="adj2" fmla="val 0"/>
-            </a:avLst>
+          <a:prstGeom prst="rect">
+            <a:avLst/>
           </a:prstGeom>
-          <a:solidFill>
-            <a:schemeClr val="tx2">
-              <a:lumMod val="60000"/>
-              <a:lumOff val="40000"/>
-            </a:schemeClr>
-          </a:solidFill>
-          <a:ln>
-            <a:solidFill>
-              <a:schemeClr val="bg1"/>
-            </a:solidFill>
-          </a:ln>
         </p:spPr>
-        <p:style>
-          <a:lnRef idx="2">
-            <a:schemeClr val="accent1">
-              <a:shade val="50000"/>
-            </a:schemeClr>
-          </a:lnRef>
-          <a:fillRef idx="1">
-            <a:schemeClr val="accent1"/>
-          </a:fillRef>
-          <a:effectRef idx="0">
-            <a:schemeClr val="accent1"/>
-          </a:effectRef>
-          <a:fontRef idx="minor">
-            <a:schemeClr val="lt1"/>
-          </a:fontRef>
-        </p:style>
-        <p:txBody>
-          <a:bodyPr rtlCol="0" anchor="ctr"/>
-          <a:lstStyle/>
-          <a:p>
-            <a:pPr algn="ctr"/>
-            <a:endParaRPr kumimoji="1" lang="ja-JP" altLang="en-US"/>
-          </a:p>
-        </p:txBody>
-      </p:sp>
-      <p:sp>
-        <p:nvSpPr>
-          <p:cNvPr id="36" name="下矢印 35"/>
-          <p:cNvSpPr/>
+      </p:pic>
+      <p:pic>
+        <p:nvPicPr>
+          <p:cNvPr id="7" name="図 6"/>
+          <p:cNvPicPr>
+            <a:picLocks noChangeAspect="1"/>
+          </p:cNvPicPr>
           <p:nvPr/>
-        </p:nvSpPr>
+        </p:nvPicPr>
+        <p:blipFill>
+          <a:blip r:embed="rId7"/>
+          <a:stretch>
+            <a:fillRect/>
+          </a:stretch>
+        </p:blipFill>
         <p:spPr>
           <a:xfrm>
-            <a:off x="4759486" y="21676359"/>
-            <a:ext cx="2043874" cy="1551478"/>
+            <a:off x="12572274" y="17463424"/>
+            <a:ext cx="6639101" cy="3979113"/>
           </a:xfrm>
-          <a:prstGeom prst="downArrow">
+          <a:prstGeom prst="rect">
             <a:avLst/>
           </a:prstGeom>
-          <a:solidFill>
-            <a:schemeClr val="tx2">
-              <a:lumMod val="60000"/>
-              <a:lumOff val="40000"/>
-            </a:schemeClr>
-          </a:solidFill>
-          <a:ln>
-            <a:solidFill>
-              <a:schemeClr val="bg1"/>
-            </a:solidFill>
-          </a:ln>
         </p:spPr>
-        <p:style>
-          <a:lnRef idx="2">
-            <a:schemeClr val="accent1">
-              <a:shade val="50000"/>
-            </a:schemeClr>
-          </a:lnRef>
-          <a:fillRef idx="1">
-            <a:schemeClr val="accent1"/>
-          </a:fillRef>
-          <a:effectRef idx="0">
-            <a:schemeClr val="accent1"/>
-          </a:effectRef>
-          <a:fontRef idx="minor">
-            <a:schemeClr val="lt1"/>
-          </a:fontRef>
-        </p:style>
-        <p:txBody>
-          <a:bodyPr rtlCol="0" anchor="ctr"/>
-          <a:lstStyle/>
-          <a:p>
-            <a:pPr algn="ctr"/>
-            <a:endParaRPr kumimoji="1" lang="ja-JP" altLang="en-US"/>
-          </a:p>
-        </p:txBody>
-      </p:sp>
+      </p:pic>
     </p:spTree>
     <p:extLst>
       <p:ext uri="{BB962C8B-B14F-4D97-AF65-F5344CB8AC3E}">

--- a/課題研究/2016/岩瀬翔/最終発表/1442012_岩瀬翔_ポスター.pptx
+++ b/課題研究/2016/岩瀬翔/最終発表/1442012_岩瀬翔_ポスター.pptx
@@ -211,7 +211,7 @@
           <a:p>
             <a:fld id="{21D3087D-DF9F-42D6-A2CD-E6B26F00C14B}" type="datetimeFigureOut">
               <a:rPr kumimoji="1" lang="ja-JP" altLang="en-US" smtClean="0"/>
-              <a:t>2016/12/14</a:t>
+              <a:t>2016/12/15</a:t>
             </a:fld>
             <a:endParaRPr kumimoji="1" lang="ja-JP" altLang="en-US"/>
           </a:p>
@@ -275,70 +275,69 @@
           <a:p>
             <a:pPr lvl="0"/>
             <a:r>
-              <a:rPr kumimoji="1" lang="ja-JP" altLang="en-US" smtClean="0"/>
+              <a:rPr kumimoji="1" lang="ja-JP" altLang="en-US"/>
               <a:t>マスター テキストの書式設定</a:t>
             </a:r>
           </a:p>
           <a:p>
             <a:pPr lvl="1"/>
             <a:r>
-              <a:rPr kumimoji="1" lang="ja-JP" altLang="en-US" smtClean="0"/>
+              <a:rPr kumimoji="1" lang="ja-JP" altLang="en-US"/>
               <a:t>第 </a:t>
             </a:r>
             <a:r>
-              <a:rPr kumimoji="1" lang="en-US" altLang="ja-JP" smtClean="0"/>
+              <a:rPr kumimoji="1" lang="en-US" altLang="ja-JP"/>
               <a:t>2 </a:t>
             </a:r>
             <a:r>
-              <a:rPr kumimoji="1" lang="ja-JP" altLang="en-US" smtClean="0"/>
+              <a:rPr kumimoji="1" lang="ja-JP" altLang="en-US"/>
               <a:t>レベル</a:t>
             </a:r>
           </a:p>
           <a:p>
             <a:pPr lvl="2"/>
             <a:r>
-              <a:rPr kumimoji="1" lang="ja-JP" altLang="en-US" smtClean="0"/>
+              <a:rPr kumimoji="1" lang="ja-JP" altLang="en-US"/>
               <a:t>第 </a:t>
             </a:r>
             <a:r>
-              <a:rPr kumimoji="1" lang="en-US" altLang="ja-JP" smtClean="0"/>
+              <a:rPr kumimoji="1" lang="en-US" altLang="ja-JP"/>
               <a:t>3 </a:t>
             </a:r>
             <a:r>
-              <a:rPr kumimoji="1" lang="ja-JP" altLang="en-US" smtClean="0"/>
+              <a:rPr kumimoji="1" lang="ja-JP" altLang="en-US"/>
               <a:t>レベル</a:t>
             </a:r>
           </a:p>
           <a:p>
             <a:pPr lvl="3"/>
             <a:r>
-              <a:rPr kumimoji="1" lang="ja-JP" altLang="en-US" smtClean="0"/>
+              <a:rPr kumimoji="1" lang="ja-JP" altLang="en-US"/>
               <a:t>第 </a:t>
             </a:r>
             <a:r>
-              <a:rPr kumimoji="1" lang="en-US" altLang="ja-JP" smtClean="0"/>
+              <a:rPr kumimoji="1" lang="en-US" altLang="ja-JP"/>
               <a:t>4 </a:t>
             </a:r>
             <a:r>
-              <a:rPr kumimoji="1" lang="ja-JP" altLang="en-US" smtClean="0"/>
+              <a:rPr kumimoji="1" lang="ja-JP" altLang="en-US"/>
               <a:t>レベル</a:t>
             </a:r>
           </a:p>
           <a:p>
             <a:pPr lvl="4"/>
             <a:r>
-              <a:rPr kumimoji="1" lang="ja-JP" altLang="en-US" smtClean="0"/>
+              <a:rPr kumimoji="1" lang="ja-JP" altLang="en-US"/>
               <a:t>第 </a:t>
             </a:r>
             <a:r>
-              <a:rPr kumimoji="1" lang="en-US" altLang="ja-JP" smtClean="0"/>
+              <a:rPr kumimoji="1" lang="en-US" altLang="ja-JP"/>
               <a:t>5 </a:t>
             </a:r>
             <a:r>
-              <a:rPr kumimoji="1" lang="ja-JP" altLang="en-US" smtClean="0"/>
+              <a:rPr kumimoji="1" lang="ja-JP" altLang="en-US"/>
               <a:t>レベル</a:t>
             </a:r>
-            <a:endParaRPr kumimoji="1" lang="ja-JP" altLang="en-US"/>
           </a:p>
         </p:txBody>
       </p:sp>
@@ -690,7 +689,7 @@
           <a:p>
             <a:fld id="{7599971D-E424-4083-B0C6-61FDC58FEAC9}" type="datetimeFigureOut">
               <a:rPr kumimoji="1" lang="ja-JP" altLang="en-US" smtClean="0"/>
-              <a:t>2016/12/14</a:t>
+              <a:t>2016/12/15</a:t>
             </a:fld>
             <a:endParaRPr kumimoji="1" lang="ja-JP" altLang="en-US"/>
           </a:p>
@@ -890,7 +889,7 @@
           <a:p>
             <a:fld id="{7599971D-E424-4083-B0C6-61FDC58FEAC9}" type="datetimeFigureOut">
               <a:rPr kumimoji="1" lang="ja-JP" altLang="en-US" smtClean="0"/>
-              <a:t>2016/12/14</a:t>
+              <a:t>2016/12/15</a:t>
             </a:fld>
             <a:endParaRPr kumimoji="1" lang="ja-JP" altLang="en-US"/>
           </a:p>
@@ -1100,7 +1099,7 @@
           <a:p>
             <a:fld id="{7599971D-E424-4083-B0C6-61FDC58FEAC9}" type="datetimeFigureOut">
               <a:rPr kumimoji="1" lang="ja-JP" altLang="en-US" smtClean="0"/>
-              <a:t>2016/12/14</a:t>
+              <a:t>2016/12/15</a:t>
             </a:fld>
             <a:endParaRPr kumimoji="1" lang="ja-JP" altLang="en-US"/>
           </a:p>
@@ -1300,7 +1299,7 @@
           <a:p>
             <a:fld id="{7599971D-E424-4083-B0C6-61FDC58FEAC9}" type="datetimeFigureOut">
               <a:rPr kumimoji="1" lang="ja-JP" altLang="en-US" smtClean="0"/>
-              <a:t>2016/12/14</a:t>
+              <a:t>2016/12/15</a:t>
             </a:fld>
             <a:endParaRPr kumimoji="1" lang="ja-JP" altLang="en-US"/>
           </a:p>
@@ -1545,7 +1544,7 @@
           <a:p>
             <a:fld id="{7599971D-E424-4083-B0C6-61FDC58FEAC9}" type="datetimeFigureOut">
               <a:rPr kumimoji="1" lang="ja-JP" altLang="en-US" smtClean="0"/>
-              <a:t>2016/12/14</a:t>
+              <a:t>2016/12/15</a:t>
             </a:fld>
             <a:endParaRPr kumimoji="1" lang="ja-JP" altLang="en-US"/>
           </a:p>
@@ -1894,7 +1893,7 @@
           <a:p>
             <a:fld id="{7599971D-E424-4083-B0C6-61FDC58FEAC9}" type="datetimeFigureOut">
               <a:rPr kumimoji="1" lang="ja-JP" altLang="en-US" smtClean="0"/>
-              <a:t>2016/12/14</a:t>
+              <a:t>2016/12/15</a:t>
             </a:fld>
             <a:endParaRPr kumimoji="1" lang="ja-JP" altLang="en-US"/>
           </a:p>
@@ -2382,7 +2381,7 @@
           <a:p>
             <a:fld id="{7599971D-E424-4083-B0C6-61FDC58FEAC9}" type="datetimeFigureOut">
               <a:rPr kumimoji="1" lang="ja-JP" altLang="en-US" smtClean="0"/>
-              <a:t>2016/12/14</a:t>
+              <a:t>2016/12/15</a:t>
             </a:fld>
             <a:endParaRPr kumimoji="1" lang="ja-JP" altLang="en-US"/>
           </a:p>
@@ -2499,7 +2498,7 @@
           <a:p>
             <a:fld id="{7599971D-E424-4083-B0C6-61FDC58FEAC9}" type="datetimeFigureOut">
               <a:rPr kumimoji="1" lang="ja-JP" altLang="en-US" smtClean="0"/>
-              <a:t>2016/12/14</a:t>
+              <a:t>2016/12/15</a:t>
             </a:fld>
             <a:endParaRPr kumimoji="1" lang="ja-JP" altLang="en-US"/>
           </a:p>
@@ -2594,7 +2593,7 @@
           <a:p>
             <a:fld id="{7599971D-E424-4083-B0C6-61FDC58FEAC9}" type="datetimeFigureOut">
               <a:rPr kumimoji="1" lang="ja-JP" altLang="en-US" smtClean="0"/>
-              <a:t>2016/12/14</a:t>
+              <a:t>2016/12/15</a:t>
             </a:fld>
             <a:endParaRPr kumimoji="1" lang="ja-JP" altLang="en-US"/>
           </a:p>
@@ -2901,7 +2900,7 @@
           <a:p>
             <a:fld id="{7599971D-E424-4083-B0C6-61FDC58FEAC9}" type="datetimeFigureOut">
               <a:rPr kumimoji="1" lang="ja-JP" altLang="en-US" smtClean="0"/>
-              <a:t>2016/12/14</a:t>
+              <a:t>2016/12/15</a:t>
             </a:fld>
             <a:endParaRPr kumimoji="1" lang="ja-JP" altLang="en-US"/>
           </a:p>
@@ -3153,7 +3152,7 @@
           <a:p>
             <a:fld id="{7599971D-E424-4083-B0C6-61FDC58FEAC9}" type="datetimeFigureOut">
               <a:rPr kumimoji="1" lang="ja-JP" altLang="en-US" smtClean="0"/>
-              <a:t>2016/12/14</a:t>
+              <a:t>2016/12/15</a:t>
             </a:fld>
             <a:endParaRPr kumimoji="1" lang="ja-JP" altLang="en-US"/>
           </a:p>
@@ -3396,7 +3395,7 @@
           <a:p>
             <a:fld id="{7599971D-E424-4083-B0C6-61FDC58FEAC9}" type="datetimeFigureOut">
               <a:rPr kumimoji="1" lang="ja-JP" altLang="en-US" smtClean="0"/>
-              <a:t>2016/12/14</a:t>
+              <a:t>2016/12/15</a:t>
             </a:fld>
             <a:endParaRPr kumimoji="1" lang="ja-JP" altLang="en-US"/>
           </a:p>
@@ -3779,8 +3778,8 @@
         </p:nvSpPr>
         <p:spPr>
           <a:xfrm>
-            <a:off x="539395" y="13319920"/>
-            <a:ext cx="2191896" cy="11661803"/>
+            <a:off x="754977" y="12827285"/>
+            <a:ext cx="2025467" cy="13229429"/>
           </a:xfrm>
           <a:prstGeom prst="downArrow">
             <a:avLst/>
@@ -3829,8 +3828,8 @@
         </p:nvSpPr>
         <p:spPr>
           <a:xfrm>
-            <a:off x="1471094" y="13466123"/>
-            <a:ext cx="9213979" cy="10064294"/>
+            <a:off x="1548126" y="12827285"/>
+            <a:ext cx="7974221" cy="12280285"/>
           </a:xfrm>
           <a:prstGeom prst="rect">
             <a:avLst/>
@@ -3848,40 +3847,24 @@
               <a:buAutoNum type="arabicPeriod"/>
             </a:pPr>
             <a:r>
-              <a:rPr lang="ja-JP" altLang="en-US" sz="3600" dirty="0" smtClean="0"/>
-              <a:t>ツイートから時間</a:t>
-            </a:r>
-            <a:r>
               <a:rPr lang="ja-JP" altLang="en-US" sz="3600" dirty="0"/>
-              <a:t>と本文のみを抽出する</a:t>
-            </a:r>
-            <a:r>
-              <a:rPr lang="ja-JP" altLang="en-US" sz="3600" dirty="0" smtClean="0"/>
-              <a:t>ためのプログラム</a:t>
-            </a:r>
-            <a:r>
-              <a:rPr lang="ja-JP" altLang="en-US" sz="3600" dirty="0"/>
-              <a:t>を作成</a:t>
-            </a:r>
-            <a:r>
-              <a:rPr lang="ja-JP" altLang="en-US" sz="3600" dirty="0" smtClean="0"/>
-              <a:t>する．</a:t>
-            </a:r>
-            <a:endParaRPr lang="en-US" altLang="ja-JP" sz="3600" dirty="0" smtClean="0"/>
+              <a:t>ツイートから時間と本文のみを抽出するためのプログラムを作成する．</a:t>
+            </a:r>
+            <a:endParaRPr lang="en-US" altLang="ja-JP" sz="3600" dirty="0"/>
           </a:p>
           <a:p>
             <a:pPr marL="742950" indent="-742950">
               <a:buFont typeface="+mj-lt"/>
               <a:buAutoNum type="arabicPeriod"/>
             </a:pPr>
-            <a:endParaRPr lang="en-US" altLang="ja-JP" sz="3600" dirty="0" smtClean="0"/>
+            <a:endParaRPr lang="en-US" altLang="ja-JP" sz="3600" dirty="0"/>
           </a:p>
           <a:p>
             <a:pPr marL="742950" indent="-742950">
               <a:buFont typeface="+mj-lt"/>
               <a:buAutoNum type="arabicPeriod"/>
             </a:pPr>
-            <a:endParaRPr lang="en-US" altLang="ja-JP" sz="3600" dirty="0" smtClean="0"/>
+            <a:endParaRPr lang="en-US" altLang="ja-JP" sz="3600" dirty="0"/>
           </a:p>
           <a:p>
             <a:pPr marL="742950" indent="-742950">
@@ -3890,11 +3873,19 @@
             </a:pPr>
             <a:r>
               <a:rPr lang="en-US" altLang="ja-JP" sz="3600" dirty="0"/>
+              <a:t>GitHub</a:t>
+            </a:r>
+            <a:r>
+              <a:rPr lang="ja-JP" altLang="en-US" sz="3600" dirty="0"/>
+              <a:t>に関連するすべてのサービスを継続的に状況監視している「</a:t>
+            </a:r>
+            <a:r>
+              <a:rPr lang="en-US" altLang="ja-JP" sz="3600" dirty="0"/>
               <a:t>GitHub Status</a:t>
             </a:r>
             <a:r>
               <a:rPr lang="ja-JP" altLang="en-US" sz="3600" dirty="0"/>
-              <a:t>を参考に障害発生から復旧までの時間を指定し</a:t>
+              <a:t>」を参照し，障害発生から復旧までの時間を指定し</a:t>
             </a:r>
             <a:r>
               <a:rPr lang="en-US" altLang="ja-JP" sz="3600" dirty="0"/>
@@ -3902,20 +3893,16 @@
             </a:r>
             <a:r>
               <a:rPr lang="ja-JP" altLang="en-US" sz="3600" dirty="0"/>
-              <a:t>で検索</a:t>
-            </a:r>
-            <a:r>
-              <a:rPr lang="ja-JP" altLang="en-US" sz="3600" dirty="0" smtClean="0"/>
-              <a:t>する．</a:t>
-            </a:r>
-            <a:endParaRPr lang="en-US" altLang="ja-JP" sz="3600" dirty="0" smtClean="0"/>
+              <a:t>で検索する．</a:t>
+            </a:r>
+            <a:endParaRPr lang="en-US" altLang="ja-JP" sz="3600" dirty="0"/>
           </a:p>
           <a:p>
             <a:pPr marL="742950" indent="-742950">
               <a:buFont typeface="+mj-lt"/>
               <a:buAutoNum type="arabicPeriod"/>
             </a:pPr>
-            <a:endParaRPr lang="en-US" altLang="ja-JP" sz="3600" dirty="0" smtClean="0"/>
+            <a:endParaRPr lang="en-US" altLang="ja-JP" sz="3600" dirty="0"/>
           </a:p>
           <a:p>
             <a:pPr marL="742950" indent="-742950">
@@ -3930,30 +3917,14 @@
               <a:buAutoNum type="arabicPeriod"/>
             </a:pPr>
             <a:r>
-              <a:rPr lang="en-US" altLang="ja-JP" sz="3600" dirty="0" smtClean="0"/>
+              <a:rPr lang="en-US" altLang="ja-JP" sz="3600" dirty="0"/>
               <a:t>1</a:t>
             </a:r>
             <a:r>
-              <a:rPr lang="ja-JP" altLang="en-US" sz="3600" dirty="0" smtClean="0"/>
-              <a:t>で作成</a:t>
-            </a:r>
-            <a:r>
               <a:rPr lang="ja-JP" altLang="en-US" sz="3600" dirty="0"/>
-              <a:t>した</a:t>
-            </a:r>
-            <a:r>
-              <a:rPr lang="ja-JP" altLang="en-US" sz="3600" dirty="0" smtClean="0"/>
-              <a:t>プログラムを</a:t>
-            </a:r>
-            <a:r>
-              <a:rPr lang="ja-JP" altLang="en-US" sz="3600" dirty="0"/>
-              <a:t>使用して検索結果からデータを抽出</a:t>
-            </a:r>
-            <a:r>
-              <a:rPr lang="ja-JP" altLang="en-US" sz="3600" dirty="0" smtClean="0"/>
-              <a:t>する．</a:t>
-            </a:r>
-            <a:endParaRPr lang="en-US" altLang="ja-JP" sz="3600" dirty="0" smtClean="0"/>
+              <a:t>で作成したプログラムを使用して検索結果からデータを抽出する．</a:t>
+            </a:r>
+            <a:endParaRPr lang="en-US" altLang="ja-JP" sz="3600" dirty="0"/>
           </a:p>
           <a:p>
             <a:pPr marL="742950" indent="-742950">
@@ -3975,25 +3946,17 @@
               <a:buAutoNum type="arabicPeriod"/>
             </a:pPr>
             <a:r>
-              <a:rPr lang="ja-JP" altLang="en-US" sz="3600" dirty="0" smtClean="0"/>
-              <a:t>テキストマイニングによる頻出</a:t>
-            </a:r>
-            <a:r>
               <a:rPr lang="ja-JP" altLang="en-US" sz="3600" dirty="0"/>
-              <a:t>単語の抽出を行い，どのような</a:t>
-            </a:r>
-            <a:r>
-              <a:rPr lang="ja-JP" altLang="en-US" sz="3600" dirty="0" smtClean="0"/>
-              <a:t>反応が多いのか分析する．</a:t>
-            </a:r>
-            <a:endParaRPr lang="en-US" altLang="ja-JP" sz="3600" dirty="0" smtClean="0"/>
+              <a:t>テキストマイニングによる頻出単語の抽出を行い，どのような反応が多いのか分析する．</a:t>
+            </a:r>
+            <a:endParaRPr lang="en-US" altLang="ja-JP" sz="3600" dirty="0"/>
           </a:p>
           <a:p>
             <a:pPr marL="742950" indent="-742950">
               <a:buFont typeface="+mj-lt"/>
               <a:buAutoNum type="arabicPeriod"/>
             </a:pPr>
-            <a:endParaRPr lang="en-US" altLang="ja-JP" sz="3600" dirty="0" smtClean="0"/>
+            <a:endParaRPr lang="en-US" altLang="ja-JP" sz="3600" dirty="0"/>
           </a:p>
           <a:p>
             <a:pPr marL="742950" indent="-742950">
@@ -4009,19 +3972,7 @@
             </a:pPr>
             <a:r>
               <a:rPr lang="ja-JP" altLang="en-US" sz="3600" dirty="0"/>
-              <a:t>分析</a:t>
-            </a:r>
-            <a:r>
-              <a:rPr lang="ja-JP" altLang="en-US" sz="3600" dirty="0" smtClean="0"/>
-              <a:t>結果</a:t>
-            </a:r>
-            <a:r>
-              <a:rPr lang="ja-JP" altLang="en-US" sz="3600" dirty="0"/>
-              <a:t>を基に，リスク対策案を</a:t>
-            </a:r>
-            <a:r>
-              <a:rPr lang="ja-JP" altLang="en-US" sz="3600" dirty="0" smtClean="0"/>
-              <a:t>考察する．</a:t>
+              <a:t>分析結果を基に，リスク対策案を考察する．</a:t>
             </a:r>
             <a:endParaRPr lang="en-US" altLang="ja-JP" sz="3600" dirty="0"/>
           </a:p>
@@ -4035,8 +3986,8 @@
         </p:nvSpPr>
         <p:spPr>
           <a:xfrm>
-            <a:off x="903397" y="729653"/>
-            <a:ext cx="19738555" cy="1215844"/>
+            <a:off x="3206045" y="500280"/>
+            <a:ext cx="15675928" cy="2156549"/>
           </a:xfrm>
           <a:prstGeom prst="rect">
             <a:avLst/>
@@ -4051,7 +4002,7 @@
           <a:p>
             <a:pPr algn="ctr"/>
             <a:r>
-              <a:rPr lang="en-US" altLang="ja-JP" sz="6113" dirty="0" smtClean="0">
+              <a:rPr lang="en-US" altLang="ja-JP" sz="6113" dirty="0">
                 <a:effectLst>
                   <a:glow rad="101600">
                     <a:srgbClr val="FFE880">
@@ -4065,7 +4016,7 @@
               <a:t>Web</a:t>
             </a:r>
             <a:r>
-              <a:rPr lang="ja-JP" altLang="en-US" sz="6113" dirty="0" smtClean="0">
+              <a:rPr lang="ja-JP" altLang="en-US" sz="6113" dirty="0">
                 <a:effectLst>
                   <a:glow rad="101600">
                     <a:srgbClr val="FFE880">
@@ -4076,19 +4027,8 @@
                 </a:effectLst>
                 <a:latin typeface="+mj-lt"/>
               </a:rPr>
-              <a:t>サービスの障害発生に対する影響調査</a:t>
-            </a:r>
-            <a:endParaRPr lang="ja-JP" altLang="en-US" sz="6113" dirty="0">
-              <a:effectLst>
-                <a:glow rad="101600">
-                  <a:srgbClr val="FFE880">
-                    <a:tint val="20000"/>
-                    <a:alpha val="60000"/>
-                  </a:srgbClr>
-                </a:glow>
-              </a:effectLst>
-              <a:latin typeface="+mj-lt"/>
-            </a:endParaRPr>
+              <a:t>サービスの障害に対するソフトウェア開発プロジェクトへの影響調査</a:t>
+            </a:r>
           </a:p>
         </p:txBody>
       </p:sp>
@@ -4100,7 +4040,7 @@
         </p:nvSpPr>
         <p:spPr>
           <a:xfrm>
-            <a:off x="836939" y="1885401"/>
+            <a:off x="857094" y="2326833"/>
             <a:ext cx="19738555" cy="1042270"/>
           </a:xfrm>
           <a:prstGeom prst="rect">
@@ -4150,7 +4090,7 @@
         </p:nvSpPr>
         <p:spPr>
           <a:xfrm>
-            <a:off x="9445315" y="5339262"/>
+            <a:off x="9397397" y="5642615"/>
             <a:ext cx="3293225" cy="1205104"/>
           </a:xfrm>
           <a:prstGeom prst="rightArrow">
@@ -4200,7 +4140,7 @@
         </p:nvSpPr>
         <p:spPr>
           <a:xfrm>
-            <a:off x="12987773" y="4718142"/>
+            <a:off x="12939855" y="5021495"/>
             <a:ext cx="7359315" cy="1446550"/>
           </a:xfrm>
           <a:prstGeom prst="rect">
@@ -4215,16 +4155,8 @@
           <a:lstStyle/>
           <a:p>
             <a:r>
-              <a:rPr lang="ja-JP" altLang="en-US" sz="4400" dirty="0" smtClean="0"/>
-              <a:t>ソフトウェア開発プロジェクト</a:t>
-            </a:r>
-            <a:r>
               <a:rPr lang="ja-JP" altLang="en-US" sz="4400" dirty="0"/>
-              <a:t>の進捗に影響</a:t>
-            </a:r>
-            <a:r>
-              <a:rPr lang="ja-JP" altLang="en-US" sz="4400" dirty="0" smtClean="0"/>
-              <a:t>する</a:t>
+              <a:t>ソフトウェア開発プロジェクトの進捗に影響する</a:t>
             </a:r>
             <a:endParaRPr lang="en-US" altLang="ja-JP" sz="4400" dirty="0"/>
           </a:p>
@@ -4253,7 +4185,7 @@
         </p:blipFill>
         <p:spPr bwMode="auto">
           <a:xfrm>
-            <a:off x="555462" y="3833086"/>
+            <a:off x="507544" y="4136439"/>
             <a:ext cx="4545802" cy="1684976"/>
           </a:xfrm>
           <a:prstGeom prst="rect">
@@ -4294,7 +4226,7 @@
         </p:blipFill>
         <p:spPr bwMode="auto">
           <a:xfrm>
-            <a:off x="5186540" y="3885387"/>
+            <a:off x="5138622" y="4188740"/>
             <a:ext cx="2922584" cy="1461292"/>
           </a:xfrm>
           <a:prstGeom prst="rect">
@@ -4333,7 +4265,7 @@
         </p:blipFill>
         <p:spPr bwMode="auto">
           <a:xfrm>
-            <a:off x="1471095" y="5230019"/>
+            <a:off x="1408124" y="5552493"/>
             <a:ext cx="3104212" cy="1437136"/>
           </a:xfrm>
           <a:prstGeom prst="rect">
@@ -4359,7 +4291,7 @@
         </p:nvSpPr>
         <p:spPr>
           <a:xfrm>
-            <a:off x="882807" y="2914418"/>
+            <a:off x="740121" y="3321521"/>
             <a:ext cx="3239860" cy="1071384"/>
           </a:xfrm>
           <a:prstGeom prst="roundRect">
@@ -4427,7 +4359,7 @@
         </p:blipFill>
         <p:spPr bwMode="auto">
           <a:xfrm>
-            <a:off x="4824540" y="5471225"/>
+            <a:off x="4776622" y="5774578"/>
             <a:ext cx="4046256" cy="855296"/>
           </a:xfrm>
           <a:prstGeom prst="rect">
@@ -4453,7 +4385,7 @@
         </p:nvSpPr>
         <p:spPr>
           <a:xfrm>
-            <a:off x="841667" y="6721754"/>
+            <a:off x="754978" y="7010814"/>
             <a:ext cx="3239860" cy="1071384"/>
           </a:xfrm>
           <a:prstGeom prst="roundRect">
@@ -4508,7 +4440,7 @@
         </p:nvSpPr>
         <p:spPr>
           <a:xfrm>
-            <a:off x="758411" y="7981391"/>
+            <a:off x="640512" y="8164546"/>
             <a:ext cx="19692803" cy="1323439"/>
           </a:xfrm>
           <a:prstGeom prst="rect">
@@ -4527,21 +4459,8 @@
             </a:r>
             <a:r>
               <a:rPr lang="ja-JP" altLang="en-US" sz="4000" dirty="0"/>
-              <a:t>サービスの障害が発生した場合どれほどの人に，どのような影響が及ぶか</a:t>
-            </a:r>
-            <a:r>
-              <a:rPr lang="ja-JP" altLang="en-US" sz="4000" dirty="0" smtClean="0"/>
-              <a:t>調査する．</a:t>
-            </a:r>
-            <a:r>
-              <a:rPr lang="ja-JP" altLang="en-US" sz="4000" dirty="0"/>
-              <a:t>また，それに対する対策案の</a:t>
-            </a:r>
-            <a:r>
-              <a:rPr lang="ja-JP" altLang="en-US" sz="4000" dirty="0" smtClean="0"/>
-              <a:t>考案する．</a:t>
-            </a:r>
-            <a:endParaRPr lang="ja-JP" altLang="en-US" sz="4000" dirty="0"/>
+              <a:t>サービスに障害が発生した場合，どのような影響が生じ，その影響がどれほどの人に及ぶのか調査する．また，それに対する対策を考案する．</a:t>
+            </a:r>
           </a:p>
         </p:txBody>
       </p:sp>
@@ -4553,8 +4472,8 @@
         </p:nvSpPr>
         <p:spPr>
           <a:xfrm>
-            <a:off x="867608" y="26835412"/>
-            <a:ext cx="19789001" cy="2862322"/>
+            <a:off x="857094" y="27292709"/>
+            <a:ext cx="19789001" cy="2308324"/>
           </a:xfrm>
           <a:prstGeom prst="rect">
             <a:avLst/>
@@ -4572,13 +4491,9 @@
             </a:pPr>
             <a:r>
               <a:rPr lang="ja-JP" altLang="en-US" sz="3600" dirty="0"/>
-              <a:t>時間帯，曜日を加味して分析を行うことも検討</a:t>
-            </a:r>
-            <a:r>
-              <a:rPr lang="ja-JP" altLang="en-US" sz="3600" dirty="0" smtClean="0"/>
-              <a:t>する．</a:t>
-            </a:r>
-            <a:endParaRPr lang="en-US" altLang="ja-JP" sz="3600" dirty="0" smtClean="0"/>
+              <a:t>時間帯，曜日を加味して分析を行うことも検討する．</a:t>
+            </a:r>
+            <a:endParaRPr lang="en-US" altLang="ja-JP" sz="3600" dirty="0"/>
           </a:p>
           <a:p>
             <a:pPr marL="1048005" indent="-1048005">
@@ -4586,26 +4501,10 @@
               <a:buAutoNum type="arabicPeriod"/>
             </a:pPr>
             <a:r>
-              <a:rPr lang="ja-JP" altLang="en-US" sz="3600" dirty="0" smtClean="0"/>
-              <a:t>集めた</a:t>
-            </a:r>
-            <a:r>
               <a:rPr lang="ja-JP" altLang="en-US" sz="3600" dirty="0"/>
-              <a:t>ツイート本文のデータからテキストマイニングにより頻出単語を抽出し，多くツイートされている</a:t>
-            </a:r>
-            <a:r>
-              <a:rPr lang="ja-JP" altLang="en-US" sz="3600" dirty="0" smtClean="0"/>
-              <a:t>単語を</a:t>
-            </a:r>
-            <a:r>
-              <a:rPr lang="ja-JP" altLang="en-US" sz="3600" dirty="0"/>
-              <a:t>分析</a:t>
-            </a:r>
-            <a:r>
-              <a:rPr lang="ja-JP" altLang="en-US" sz="3600" dirty="0" smtClean="0"/>
-              <a:t>する．</a:t>
-            </a:r>
-            <a:endParaRPr lang="en-US" altLang="ja-JP" sz="3600" dirty="0" smtClean="0"/>
+              <a:t>集めたツイート本文のデータから頻出単語を抽出し，多くツイートされている単語を分析する．</a:t>
+            </a:r>
+            <a:endParaRPr lang="en-US" altLang="ja-JP" sz="3600" dirty="0"/>
           </a:p>
           <a:p>
             <a:pPr marL="1048005" indent="-1048005">
@@ -4613,12 +4512,8 @@
               <a:buAutoNum type="arabicPeriod"/>
             </a:pPr>
             <a:r>
-              <a:rPr lang="ja-JP" altLang="en-US" sz="3600" dirty="0" smtClean="0"/>
-              <a:t>背景</a:t>
-            </a:r>
-            <a:r>
               <a:rPr lang="ja-JP" altLang="en-US" sz="3600" dirty="0"/>
-              <a:t>で述べた他</a:t>
+              <a:t>背景で述べた他</a:t>
             </a:r>
             <a:r>
               <a:rPr lang="en-US" altLang="ja-JP" sz="3600" dirty="0"/>
@@ -4626,13 +4521,8 @@
             </a:r>
             <a:r>
               <a:rPr lang="ja-JP" altLang="en-US" sz="3600" dirty="0"/>
-              <a:t>サービスの障害発生についても同様に</a:t>
-            </a:r>
-            <a:r>
-              <a:rPr lang="ja-JP" altLang="en-US" sz="3600" dirty="0" smtClean="0"/>
-              <a:t>調査する．</a:t>
-            </a:r>
-            <a:endParaRPr lang="ja-JP" altLang="en-US" sz="3600" dirty="0"/>
+              <a:t>サービスの障害発生についても同様に調査する．</a:t>
+            </a:r>
           </a:p>
           <a:p>
             <a:pPr marL="1048005" indent="-1048005">
@@ -4657,13 +4547,8 @@
             </a:r>
             <a:r>
               <a:rPr lang="ja-JP" altLang="en-US" sz="3600" dirty="0"/>
-              <a:t>サービスのデータの調査した上で，障害発生に対するリスク対策案を考察</a:t>
-            </a:r>
-            <a:r>
-              <a:rPr lang="ja-JP" altLang="en-US" sz="3600" dirty="0" smtClean="0"/>
-              <a:t>する．</a:t>
-            </a:r>
-            <a:endParaRPr lang="ja-JP" altLang="en-US" sz="3600" dirty="0"/>
+              <a:t>サービスのデータの調査した上で，障害発生に対するリスク対策案を考察する．</a:t>
+            </a:r>
           </a:p>
         </p:txBody>
       </p:sp>
@@ -4675,7 +4560,7 @@
         </p:nvSpPr>
         <p:spPr>
           <a:xfrm>
-            <a:off x="809973" y="25495106"/>
+            <a:off x="741893" y="26140971"/>
             <a:ext cx="4289349" cy="1071384"/>
           </a:xfrm>
           <a:prstGeom prst="roundRect">
@@ -4730,7 +4615,7 @@
         </p:nvSpPr>
         <p:spPr>
           <a:xfrm>
-            <a:off x="897664" y="9584243"/>
+            <a:off x="754978" y="9621533"/>
             <a:ext cx="3239860" cy="1071384"/>
           </a:xfrm>
           <a:prstGeom prst="roundRect">
@@ -4779,61 +4664,13 @@
       </p:sp>
       <p:sp>
         <p:nvSpPr>
-          <p:cNvPr id="13" name="正方形/長方形 12"/>
-          <p:cNvSpPr/>
-          <p:nvPr/>
-        </p:nvSpPr>
-        <p:spPr>
-          <a:xfrm>
-            <a:off x="10685074" y="10940116"/>
-            <a:ext cx="10318899" cy="1754326"/>
-          </a:xfrm>
-          <a:prstGeom prst="rect">
-            <a:avLst/>
-          </a:prstGeom>
-        </p:spPr>
-        <p:txBody>
-          <a:bodyPr wrap="square">
-            <a:spAutoFit/>
-          </a:bodyPr>
-          <a:lstStyle/>
-          <a:p>
-            <a:r>
-              <a:rPr lang="ja-JP" altLang="en-US" sz="3600" dirty="0"/>
-              <a:t>各障害の発生から復旧までに投稿されたツイートの数の</a:t>
-            </a:r>
-            <a:r>
-              <a:rPr lang="ja-JP" altLang="en-US" sz="3600" dirty="0" smtClean="0"/>
-              <a:t>グラフと</a:t>
-            </a:r>
-            <a:r>
-              <a:rPr lang="ja-JP" altLang="en-US" sz="3600" dirty="0"/>
-              <a:t>，各障害の発生から復旧までの時間で </a:t>
-            </a:r>
-            <a:r>
-              <a:rPr lang="en-US" altLang="ja-JP" sz="3600" dirty="0"/>
-              <a:t>2 </a:t>
-            </a:r>
-            <a:r>
-              <a:rPr lang="ja-JP" altLang="en-US" sz="3600" dirty="0" smtClean="0"/>
-              <a:t>つグラフ</a:t>
-            </a:r>
-            <a:r>
-              <a:rPr lang="ja-JP" altLang="en-US" sz="3600" dirty="0"/>
-              <a:t>を作成した．</a:t>
-            </a:r>
-          </a:p>
-        </p:txBody>
-      </p:sp>
-      <p:sp>
-        <p:nvSpPr>
           <p:cNvPr id="20" name="角丸四角形 19"/>
           <p:cNvSpPr/>
           <p:nvPr/>
         </p:nvSpPr>
         <p:spPr>
           <a:xfrm>
-            <a:off x="11069536" y="9612206"/>
+            <a:off x="10926850" y="9649496"/>
             <a:ext cx="4026010" cy="1071384"/>
           </a:xfrm>
           <a:prstGeom prst="roundRect">
@@ -4888,7 +4725,7 @@
         </p:nvSpPr>
         <p:spPr>
           <a:xfrm>
-            <a:off x="13418327" y="16893267"/>
+            <a:off x="13480340" y="15896016"/>
             <a:ext cx="4852391" cy="421526"/>
           </a:xfrm>
           <a:prstGeom prst="rect">
@@ -4906,16 +4743,12 @@
               <a:t>図 </a:t>
             </a:r>
             <a:r>
-              <a:rPr lang="en-US" altLang="ja-JP" sz="2139" dirty="0" smtClean="0"/>
+              <a:rPr lang="en-US" altLang="ja-JP" sz="2139" dirty="0"/>
               <a:t>1</a:t>
             </a:r>
             <a:r>
-              <a:rPr lang="ja-JP" altLang="en-US" sz="2139" dirty="0" smtClean="0"/>
-              <a:t>　各障害</a:t>
-            </a:r>
-            <a:r>
               <a:rPr lang="ja-JP" altLang="en-US" sz="2139" dirty="0"/>
-              <a:t>の発生から復旧までの時間</a:t>
+              <a:t>　各障害の発生から復旧までの時間</a:t>
             </a:r>
           </a:p>
         </p:txBody>
@@ -4928,7 +4761,7 @@
         </p:nvSpPr>
         <p:spPr>
           <a:xfrm>
-            <a:off x="13783703" y="21591168"/>
+            <a:off x="13798415" y="21415695"/>
             <a:ext cx="4216242" cy="421526"/>
           </a:xfrm>
           <a:prstGeom prst="rect">
@@ -4950,12 +4783,8 @@
               <a:t>2 </a:t>
             </a:r>
             <a:r>
-              <a:rPr lang="ja-JP" altLang="en-US" sz="2139" dirty="0" smtClean="0"/>
-              <a:t>　各障害</a:t>
-            </a:r>
-            <a:r>
               <a:rPr lang="ja-JP" altLang="en-US" sz="2139" dirty="0"/>
-              <a:t>発生時のツイート数</a:t>
+              <a:t>　各障害発生時のツイート数</a:t>
             </a:r>
           </a:p>
         </p:txBody>
@@ -4968,7 +4797,7 @@
         </p:nvSpPr>
         <p:spPr>
           <a:xfrm>
-            <a:off x="9296963" y="4426383"/>
+            <a:off x="9249045" y="4729736"/>
             <a:ext cx="2954655" cy="923330"/>
           </a:xfrm>
           <a:prstGeom prst="rect">
@@ -5001,8 +4830,8 @@
         </p:nvSpPr>
         <p:spPr>
           <a:xfrm>
-            <a:off x="738649" y="10930546"/>
-            <a:ext cx="10125879" cy="1754326"/>
+            <a:off x="740121" y="10967778"/>
+            <a:ext cx="9089067" cy="1754326"/>
           </a:xfrm>
           <a:prstGeom prst="rect">
             <a:avLst/>
@@ -5032,15 +4861,7 @@
             </a:r>
             <a:r>
               <a:rPr lang="ja-JP" altLang="en-US" sz="3600" dirty="0"/>
-              <a:t>の障害発生時</a:t>
-            </a:r>
-            <a:r>
-              <a:rPr lang="ja-JP" altLang="en-US" sz="3600" dirty="0" smtClean="0"/>
-              <a:t>の状況</a:t>
-            </a:r>
-            <a:r>
-              <a:rPr lang="ja-JP" altLang="en-US" sz="3600" dirty="0"/>
-              <a:t>について調査する．</a:t>
+              <a:t>の障害発生時の状況について調査する．</a:t>
             </a:r>
           </a:p>
         </p:txBody>
@@ -5053,8 +4874,8 @@
         </p:nvSpPr>
         <p:spPr>
           <a:xfrm>
-            <a:off x="10685301" y="22021962"/>
-            <a:ext cx="9999245" cy="3477875"/>
+            <a:off x="10542615" y="22059252"/>
+            <a:ext cx="9999245" cy="4031873"/>
           </a:xfrm>
           <a:prstGeom prst="rect">
             <a:avLst/>
@@ -5067,8 +4888,8 @@
           <a:lstStyle/>
           <a:p>
             <a:r>
-              <a:rPr lang="ja-JP" altLang="en-US" sz="4000" dirty="0" smtClean="0"/>
-              <a:t>考察</a:t>
+              <a:rPr lang="ja-JP" altLang="en-US" sz="4000" dirty="0"/>
+              <a:t>現在の進捗からわかったこと</a:t>
             </a:r>
             <a:endParaRPr lang="en-US" altLang="ja-JP" sz="4000" dirty="0"/>
           </a:p>
@@ -5079,13 +4900,9 @@
             </a:pPr>
             <a:r>
               <a:rPr lang="ja-JP" altLang="en-US" sz="3600" dirty="0"/>
-              <a:t>曜日や時間帯等によって取得したツイートの数に幅が</a:t>
-            </a:r>
-            <a:r>
-              <a:rPr lang="ja-JP" altLang="en-US" sz="3600" dirty="0" smtClean="0"/>
-              <a:t>ある．土日祝日や深夜でも反応する人は一定数存在する．</a:t>
-            </a:r>
-            <a:endParaRPr lang="en-US" altLang="ja-JP" sz="3600" dirty="0" smtClean="0"/>
+              <a:t>曜日や時間帯等によって取得したツイートの数に幅があり，障害発生時間が長ければツイート数が多いというわけではなかった．</a:t>
+            </a:r>
+            <a:endParaRPr lang="en-US" altLang="ja-JP" sz="3600" dirty="0"/>
           </a:p>
           <a:p>
             <a:pPr marL="1048005" indent="-1048005">
@@ -5093,20 +4910,12 @@
               <a:buAutoNum type="arabicPeriod"/>
             </a:pPr>
             <a:r>
-              <a:rPr lang="ja-JP" altLang="en-US" sz="3600" dirty="0" smtClean="0"/>
-              <a:t>障害</a:t>
-            </a:r>
-            <a:r>
-              <a:rPr lang="ja-JP" altLang="en-US" sz="3600" dirty="0"/>
-              <a:t>の発生・復旧報告が</a:t>
-            </a:r>
-            <a:r>
               <a:rPr lang="en-US" altLang="ja-JP" sz="3600" dirty="0"/>
               <a:t>GitHub Status</a:t>
             </a:r>
             <a:r>
               <a:rPr lang="ja-JP" altLang="en-US" sz="3600" dirty="0"/>
-              <a:t>よりも平均約 </a:t>
+              <a:t>を参照して取得するツイート時間を決定していたが，障害の発生・復旧報告のツイートの方が平均約 </a:t>
             </a:r>
             <a:r>
               <a:rPr lang="en-US" altLang="ja-JP" sz="3600" dirty="0"/>
@@ -5114,13 +4923,8 @@
             </a:r>
             <a:r>
               <a:rPr lang="ja-JP" altLang="en-US" sz="3600" dirty="0"/>
-              <a:t>分ほど</a:t>
-            </a:r>
-            <a:r>
-              <a:rPr lang="ja-JP" altLang="en-US" sz="3600" dirty="0" smtClean="0"/>
-              <a:t>速い．</a:t>
-            </a:r>
-            <a:endParaRPr lang="ja-JP" altLang="en-US" sz="3600" dirty="0"/>
+              <a:t>分ほど速かった．</a:t>
+            </a:r>
           </a:p>
         </p:txBody>
       </p:sp>
@@ -5140,8 +4944,8 @@
         </p:blipFill>
         <p:spPr>
           <a:xfrm>
-            <a:off x="12477671" y="12646272"/>
-            <a:ext cx="6733704" cy="4041277"/>
+            <a:off x="12014329" y="10891004"/>
+            <a:ext cx="7784420" cy="4671871"/>
           </a:xfrm>
           <a:prstGeom prst="rect">
             <a:avLst/>
@@ -5164,8 +4968,8 @@
         </p:blipFill>
         <p:spPr>
           <a:xfrm>
-            <a:off x="12572274" y="17463424"/>
-            <a:ext cx="6639101" cy="3979113"/>
+            <a:off x="12069009" y="16783012"/>
+            <a:ext cx="7675055" cy="4600007"/>
           </a:xfrm>
           <a:prstGeom prst="rect">
             <a:avLst/>
@@ -5182,13 +4986,6 @@
   <p:clrMapOvr>
     <a:masterClrMapping/>
   </p:clrMapOvr>
-  <p:timing>
-    <p:tnLst>
-      <p:par>
-        <p:cTn id="1" dur="indefinite" restart="never" nodeType="tmRoot"/>
-      </p:par>
-    </p:tnLst>
-  </p:timing>
 </p:sld>
 </file>
 

--- a/課題研究/2016/岩瀬翔/最終発表/1442012_岩瀬翔_ポスター.pptx
+++ b/課題研究/2016/岩瀬翔/最終発表/1442012_岩瀬翔_ポスター.pptx
@@ -3986,8 +3986,8 @@
         </p:nvSpPr>
         <p:spPr>
           <a:xfrm>
-            <a:off x="3206045" y="500280"/>
-            <a:ext cx="15675928" cy="2156549"/>
+            <a:off x="2238802" y="384915"/>
+            <a:ext cx="16975137" cy="2156549"/>
           </a:xfrm>
           <a:prstGeom prst="rect">
             <a:avLst/>
@@ -4027,8 +4027,47 @@
                 </a:effectLst>
                 <a:latin typeface="+mj-lt"/>
               </a:rPr>
-              <a:t>サービスの障害に対するソフトウェア開発プロジェクトへの影響調査</a:t>
-            </a:r>
+              <a:t>サービスの障害がプロジェクトに与える影響を</a:t>
+            </a:r>
+            <a:r>
+              <a:rPr lang="en-US" altLang="ja-JP" sz="6113" dirty="0">
+                <a:effectLst>
+                  <a:glow rad="101600">
+                    <a:srgbClr val="FFE880">
+                      <a:tint val="20000"/>
+                      <a:alpha val="60000"/>
+                    </a:srgbClr>
+                  </a:glow>
+                </a:effectLst>
+                <a:latin typeface="+mj-lt"/>
+              </a:rPr>
+              <a:t>Twitter</a:t>
+            </a:r>
+            <a:r>
+              <a:rPr lang="ja-JP" altLang="en-US" sz="6113" dirty="0">
+                <a:effectLst>
+                  <a:glow rad="101600">
+                    <a:srgbClr val="FFE880">
+                      <a:tint val="20000"/>
+                      <a:alpha val="60000"/>
+                    </a:srgbClr>
+                  </a:glow>
+                </a:effectLst>
+                <a:latin typeface="+mj-lt"/>
+              </a:rPr>
+              <a:t>を活用して調査する方法</a:t>
+            </a:r>
+            <a:endParaRPr lang="ja-JP" altLang="en-US" sz="6113" dirty="0">
+              <a:effectLst>
+                <a:glow rad="101600">
+                  <a:srgbClr val="FFE880">
+                    <a:tint val="20000"/>
+                    <a:alpha val="60000"/>
+                  </a:srgbClr>
+                </a:glow>
+              </a:effectLst>
+              <a:latin typeface="+mj-lt"/>
+            </a:endParaRPr>
           </a:p>
         </p:txBody>
       </p:sp>
@@ -4830,8 +4869,8 @@
         </p:nvSpPr>
         <p:spPr>
           <a:xfrm>
-            <a:off x="740121" y="10967778"/>
-            <a:ext cx="9089067" cy="1754326"/>
+            <a:off x="740122" y="10967778"/>
+            <a:ext cx="8508924" cy="1754326"/>
           </a:xfrm>
           <a:prstGeom prst="rect">
             <a:avLst/>

--- a/課題研究/2016/岩瀬翔/最終発表/1442012_岩瀬翔_ポスター.pptx
+++ b/課題研究/2016/岩瀬翔/最終発表/1442012_岩瀬翔_ポスター.pptx
@@ -3828,8 +3828,8 @@
         </p:nvSpPr>
         <p:spPr>
           <a:xfrm>
-            <a:off x="1548126" y="12827285"/>
-            <a:ext cx="7974221" cy="12280285"/>
+            <a:off x="1558616" y="13205755"/>
+            <a:ext cx="7974221" cy="11726287"/>
           </a:xfrm>
           <a:prstGeom prst="rect">
             <a:avLst/>
@@ -3946,8 +3946,12 @@
               <a:buAutoNum type="arabicPeriod"/>
             </a:pPr>
             <a:r>
+              <a:rPr lang="ja-JP" altLang="en-US" sz="3600" dirty="0" smtClean="0"/>
+              <a:t>頻出</a:t>
+            </a:r>
+            <a:r>
               <a:rPr lang="ja-JP" altLang="en-US" sz="3600" dirty="0"/>
-              <a:t>テキストマイニングによる頻出単語の抽出を行い，どのような反応が多いのか分析する．</a:t>
+              <a:t>単語の抽出を行い，どのような反応が多いのか分析する．</a:t>
             </a:r>
             <a:endParaRPr lang="en-US" altLang="ja-JP" sz="3600" dirty="0"/>
           </a:p>
@@ -3972,7 +3976,23 @@
             </a:pPr>
             <a:r>
               <a:rPr lang="ja-JP" altLang="en-US" sz="3600" dirty="0"/>
-              <a:t>分析結果を基に，リスク対策案を考察する．</a:t>
+              <a:t>分析結果を基に，リスク対策案</a:t>
+            </a:r>
+            <a:r>
+              <a:rPr lang="ja-JP" altLang="en-US" sz="3600" dirty="0" smtClean="0"/>
+              <a:t>を</a:t>
+            </a:r>
+            <a:r>
+              <a:rPr lang="ja-JP" altLang="en-US" sz="3600" dirty="0"/>
+              <a:t>検討</a:t>
+            </a:r>
+            <a:r>
+              <a:rPr lang="ja-JP" altLang="en-US" sz="3600" dirty="0" smtClean="0"/>
+              <a:t>する</a:t>
+            </a:r>
+            <a:r>
+              <a:rPr lang="ja-JP" altLang="en-US" sz="3600" dirty="0"/>
+              <a:t>．</a:t>
             </a:r>
             <a:endParaRPr lang="en-US" altLang="ja-JP" sz="3600" dirty="0"/>
           </a:p>
@@ -4057,17 +4077,6 @@
               </a:rPr>
               <a:t>を活用して調査する方法</a:t>
             </a:r>
-            <a:endParaRPr lang="ja-JP" altLang="en-US" sz="6113" dirty="0">
-              <a:effectLst>
-                <a:glow rad="101600">
-                  <a:srgbClr val="FFE880">
-                    <a:tint val="20000"/>
-                    <a:alpha val="60000"/>
-                  </a:srgbClr>
-                </a:glow>
-              </a:effectLst>
-              <a:latin typeface="+mj-lt"/>
-            </a:endParaRPr>
           </a:p>
         </p:txBody>
       </p:sp>
@@ -4498,7 +4507,23 @@
             </a:r>
             <a:r>
               <a:rPr lang="ja-JP" altLang="en-US" sz="4000" dirty="0"/>
-              <a:t>サービスに障害が発生した場合，どのような影響が生じ，その影響がどれほどの人に及ぶのか調査する．また，それに対する対策を考案する．</a:t>
+              <a:t>サービスに障害が発生した場合，どのような影響が生じ，その影響がどれほどの人に及ぶのか調査する．また，それに対する対策</a:t>
+            </a:r>
+            <a:r>
+              <a:rPr lang="ja-JP" altLang="en-US" sz="4000" dirty="0" smtClean="0"/>
+              <a:t>を</a:t>
+            </a:r>
+            <a:r>
+              <a:rPr lang="ja-JP" altLang="en-US" sz="4000" dirty="0"/>
+              <a:t>提案</a:t>
+            </a:r>
+            <a:r>
+              <a:rPr lang="ja-JP" altLang="en-US" sz="4000" dirty="0" smtClean="0"/>
+              <a:t>する</a:t>
+            </a:r>
+            <a:r>
+              <a:rPr lang="ja-JP" altLang="en-US" sz="4000" dirty="0"/>
+              <a:t>．</a:t>
             </a:r>
           </a:p>
         </p:txBody>
@@ -4586,7 +4611,23 @@
             </a:r>
             <a:r>
               <a:rPr lang="ja-JP" altLang="en-US" sz="3600" dirty="0"/>
-              <a:t>サービスのデータの調査した上で，障害発生に対するリスク対策案を考察する．</a:t>
+              <a:t>サービスのデータの調査した上で，障害発生に対するリスク対策案</a:t>
+            </a:r>
+            <a:r>
+              <a:rPr lang="ja-JP" altLang="en-US" sz="3600" dirty="0" smtClean="0"/>
+              <a:t>を</a:t>
+            </a:r>
+            <a:r>
+              <a:rPr lang="ja-JP" altLang="en-US" sz="3600" dirty="0"/>
+              <a:t>検討</a:t>
+            </a:r>
+            <a:r>
+              <a:rPr lang="ja-JP" altLang="en-US" sz="3600" dirty="0" smtClean="0"/>
+              <a:t>する</a:t>
+            </a:r>
+            <a:r>
+              <a:rPr lang="ja-JP" altLang="en-US" sz="3600" dirty="0"/>
+              <a:t>．</a:t>
             </a:r>
           </a:p>
         </p:txBody>
